--- a/NLP-Final Project.pptx
+++ b/NLP-Final Project.pptx
@@ -19,6 +19,8 @@
     <p:sldId id="268" r:id="rId13"/>
     <p:sldId id="269" r:id="rId14"/>
     <p:sldId id="270" r:id="rId15"/>
+    <p:sldId id="271" r:id="rId16"/>
+    <p:sldId id="272" r:id="rId17"/>
   </p:sldIdLst>
   <p:sldSz cx="12192000" cy="6858000"/>
   <p:notesSz cx="6858000" cy="9144000"/>
@@ -118,6 +120,2813 @@
     </a:lvl9pPr>
   </p:defaultTextStyle>
 </p:presentation>
+</file>
+
+<file path=ppt/commentAuthors.xml><?xml version="1.0" encoding="utf-8"?>
+<p:cmAuthorLst xmlns:a="http://schemas.openxmlformats.org/drawingml/2006/main" xmlns:r="http://schemas.openxmlformats.org/officeDocument/2006/relationships" xmlns:p="http://schemas.openxmlformats.org/presentationml/2006/main">
+  <p:cmAuthor id="1" name="דניאל קורן" initials="דק" lastIdx="4" clrIdx="0">
+    <p:extLst>
+      <p:ext uri="{19B8F6BF-5375-455C-9EA6-DF929625EA0E}">
+        <p15:presenceInfo xmlns:p15="http://schemas.microsoft.com/office/powerpoint/2012/main" userId="4a128a2900a88e2d" providerId="Windows Live"/>
+      </p:ext>
+    </p:extLst>
+  </p:cmAuthor>
+</p:cmAuthorLst>
+</file>
+
+<file path=ppt/comments/comment1.xml><?xml version="1.0" encoding="utf-8"?>
+<p:cmLst xmlns:a="http://schemas.openxmlformats.org/drawingml/2006/main" xmlns:r="http://schemas.openxmlformats.org/officeDocument/2006/relationships" xmlns:p="http://schemas.openxmlformats.org/presentationml/2006/main">
+  <p:cm authorId="1" dt="2021-07-04T21:52:11.768" idx="1">
+    <p:pos x="1427" y="3895"/>
+    <p:text>טדי ציין שגם השאלות הפשוטות הן לא כל כך פשוטות</p:text>
+    <p:extLst>
+      <p:ext uri="{C676402C-5697-4E1C-873F-D02D1690AC5C}">
+        <p15:threadingInfo xmlns:p15="http://schemas.microsoft.com/office/powerpoint/2012/main" timeZoneBias="-180"/>
+      </p:ext>
+    </p:extLst>
+  </p:cm>
+</p:cmLst>
+</file>
+
+<file path=ppt/comments/comment2.xml><?xml version="1.0" encoding="utf-8"?>
+<p:cmLst xmlns:a="http://schemas.openxmlformats.org/drawingml/2006/main" xmlns:r="http://schemas.openxmlformats.org/officeDocument/2006/relationships" xmlns:p="http://schemas.openxmlformats.org/presentationml/2006/main">
+  <p:cm authorId="1" dt="2021-07-04T22:07:43.996" idx="3">
+    <p:pos x="10" y="10"/>
+    <p:text>גורם מתווך בין הפייתון לבין ה - HTML</p:text>
+    <p:extLst>
+      <p:ext uri="{C676402C-5697-4E1C-873F-D02D1690AC5C}">
+        <p15:threadingInfo xmlns:p15="http://schemas.microsoft.com/office/powerpoint/2012/main" timeZoneBias="-180"/>
+      </p:ext>
+    </p:extLst>
+  </p:cm>
+</p:cmLst>
+</file>
+
+<file path=ppt/comments/comment3.xml><?xml version="1.0" encoding="utf-8"?>
+<p:cmLst xmlns:a="http://schemas.openxmlformats.org/drawingml/2006/main" xmlns:r="http://schemas.openxmlformats.org/officeDocument/2006/relationships" xmlns:p="http://schemas.openxmlformats.org/presentationml/2006/main">
+  <p:cm authorId="1" dt="2021-07-04T23:04:17.875" idx="4">
+    <p:pos x="6811" y="3557"/>
+    <p:text>http://drbarak.pythonanywhere.com/chatbot
+</p:text>
+    <p:extLst>
+      <p:ext uri="{C676402C-5697-4E1C-873F-D02D1690AC5C}">
+        <p15:threadingInfo xmlns:p15="http://schemas.microsoft.com/office/powerpoint/2012/main" timeZoneBias="-180"/>
+      </p:ext>
+    </p:extLst>
+  </p:cm>
+</p:cmLst>
+</file>
+
+<file path=ppt/diagrams/colors1.xml><?xml version="1.0" encoding="utf-8"?>
+<dgm:colorsDef xmlns:dgm="http://schemas.openxmlformats.org/drawingml/2006/diagram" xmlns:a="http://schemas.openxmlformats.org/drawingml/2006/main" uniqueId="urn:microsoft.com/office/officeart/2018/5/colors/Iconchunking_neutralicon_colorful1">
+  <dgm:title val=""/>
+  <dgm:desc val=""/>
+  <dgm:catLst>
+    <dgm:cat type="colorful" pri="10100"/>
+  </dgm:catLst>
+  <dgm:styleLbl name="node0">
+    <dgm:fillClrLst meth="repeat">
+      <a:schemeClr val="accent1"/>
+    </dgm:fillClrLst>
+    <dgm:linClrLst meth="repeat">
+      <a:schemeClr val="lt1"/>
+    </dgm:linClrLst>
+    <dgm:effectClrLst/>
+    <dgm:txLinClrLst/>
+    <dgm:txFillClrLst/>
+    <dgm:txEffectClrLst/>
+  </dgm:styleLbl>
+  <dgm:styleLbl name="node1">
+    <dgm:fillClrLst meth="repeat">
+      <a:schemeClr val="bg1"/>
+    </dgm:fillClrLst>
+    <dgm:linClrLst meth="repeat">
+      <a:schemeClr val="lt1">
+        <a:alpha val="0"/>
+      </a:schemeClr>
+    </dgm:linClrLst>
+    <dgm:effectClrLst/>
+    <dgm:txLinClrLst/>
+    <dgm:txFillClrLst meth="repeat">
+      <a:schemeClr val="dk1"/>
+    </dgm:txFillClrLst>
+    <dgm:txEffectClrLst/>
+  </dgm:styleLbl>
+  <dgm:styleLbl name="alignNode1">
+    <dgm:fillClrLst meth="repeat">
+      <a:schemeClr val="accent2"/>
+      <a:schemeClr val="accent3"/>
+      <a:schemeClr val="accent4"/>
+      <a:schemeClr val="accent5"/>
+      <a:schemeClr val="accent6"/>
+    </dgm:fillClrLst>
+    <dgm:linClrLst meth="repeat">
+      <a:schemeClr val="accent2"/>
+      <a:schemeClr val="accent3"/>
+      <a:schemeClr val="accent4"/>
+      <a:schemeClr val="accent5"/>
+      <a:schemeClr val="accent6"/>
+    </dgm:linClrLst>
+    <dgm:effectClrLst/>
+    <dgm:txLinClrLst/>
+    <dgm:txFillClrLst/>
+    <dgm:txEffectClrLst/>
+  </dgm:styleLbl>
+  <dgm:styleLbl name="lnNode1">
+    <dgm:fillClrLst meth="repeat">
+      <a:schemeClr val="accent2"/>
+      <a:schemeClr val="accent3"/>
+      <a:schemeClr val="accent4"/>
+      <a:schemeClr val="accent5"/>
+      <a:schemeClr val="accent6"/>
+    </dgm:fillClrLst>
+    <dgm:linClrLst meth="repeat">
+      <a:schemeClr val="lt1"/>
+    </dgm:linClrLst>
+    <dgm:effectClrLst/>
+    <dgm:txLinClrLst/>
+    <dgm:txFillClrLst/>
+    <dgm:txEffectClrLst/>
+  </dgm:styleLbl>
+  <dgm:styleLbl name="vennNode1">
+    <dgm:fillClrLst meth="repeat">
+      <a:schemeClr val="accent2">
+        <a:alpha val="50000"/>
+      </a:schemeClr>
+      <a:schemeClr val="accent3">
+        <a:alpha val="50000"/>
+      </a:schemeClr>
+      <a:schemeClr val="accent4">
+        <a:alpha val="50000"/>
+      </a:schemeClr>
+      <a:schemeClr val="accent5">
+        <a:alpha val="50000"/>
+      </a:schemeClr>
+      <a:schemeClr val="accent6">
+        <a:alpha val="50000"/>
+      </a:schemeClr>
+    </dgm:fillClrLst>
+    <dgm:linClrLst meth="repeat">
+      <a:schemeClr val="lt1"/>
+    </dgm:linClrLst>
+    <dgm:effectClrLst/>
+    <dgm:txLinClrLst/>
+    <dgm:txFillClrLst/>
+    <dgm:txEffectClrLst/>
+  </dgm:styleLbl>
+  <dgm:styleLbl name="node2">
+    <dgm:fillClrLst>
+      <a:schemeClr val="accent2"/>
+    </dgm:fillClrLst>
+    <dgm:linClrLst meth="repeat">
+      <a:schemeClr val="lt1"/>
+    </dgm:linClrLst>
+    <dgm:effectClrLst/>
+    <dgm:txLinClrLst/>
+    <dgm:txFillClrLst/>
+    <dgm:txEffectClrLst/>
+  </dgm:styleLbl>
+  <dgm:styleLbl name="node3">
+    <dgm:fillClrLst>
+      <a:schemeClr val="accent3"/>
+    </dgm:fillClrLst>
+    <dgm:linClrLst meth="repeat">
+      <a:schemeClr val="lt1"/>
+    </dgm:linClrLst>
+    <dgm:effectClrLst/>
+    <dgm:txLinClrLst/>
+    <dgm:txFillClrLst/>
+    <dgm:txEffectClrLst/>
+  </dgm:styleLbl>
+  <dgm:styleLbl name="node4">
+    <dgm:fillClrLst>
+      <a:schemeClr val="accent4"/>
+    </dgm:fillClrLst>
+    <dgm:linClrLst meth="repeat">
+      <a:schemeClr val="lt1"/>
+    </dgm:linClrLst>
+    <dgm:effectClrLst/>
+    <dgm:txLinClrLst/>
+    <dgm:txFillClrLst/>
+    <dgm:txEffectClrLst/>
+  </dgm:styleLbl>
+  <dgm:styleLbl name="fgImgPlace1">
+    <dgm:fillClrLst meth="repeat">
+      <a:schemeClr val="accent2">
+        <a:tint val="50000"/>
+      </a:schemeClr>
+      <a:schemeClr val="accent3">
+        <a:tint val="50000"/>
+      </a:schemeClr>
+      <a:schemeClr val="accent4">
+        <a:tint val="50000"/>
+      </a:schemeClr>
+      <a:schemeClr val="accent5">
+        <a:tint val="50000"/>
+      </a:schemeClr>
+      <a:schemeClr val="accent6">
+        <a:tint val="50000"/>
+      </a:schemeClr>
+    </dgm:fillClrLst>
+    <dgm:linClrLst meth="repeat">
+      <a:schemeClr val="lt1"/>
+    </dgm:linClrLst>
+    <dgm:effectClrLst/>
+    <dgm:txLinClrLst/>
+    <dgm:txFillClrLst meth="repeat">
+      <a:schemeClr val="lt1"/>
+    </dgm:txFillClrLst>
+    <dgm:txEffectClrLst/>
+  </dgm:styleLbl>
+  <dgm:styleLbl name="alignImgPlace1">
+    <dgm:fillClrLst>
+      <a:schemeClr val="accent1">
+        <a:tint val="50000"/>
+      </a:schemeClr>
+      <a:schemeClr val="accent2">
+        <a:tint val="20000"/>
+      </a:schemeClr>
+    </dgm:fillClrLst>
+    <dgm:linClrLst meth="repeat">
+      <a:schemeClr val="lt1"/>
+    </dgm:linClrLst>
+    <dgm:effectClrLst/>
+    <dgm:txLinClrLst/>
+    <dgm:txFillClrLst meth="repeat">
+      <a:schemeClr val="lt1"/>
+    </dgm:txFillClrLst>
+    <dgm:txEffectClrLst/>
+  </dgm:styleLbl>
+  <dgm:styleLbl name="bgImgPlace1">
+    <dgm:fillClrLst>
+      <a:schemeClr val="accent1">
+        <a:tint val="50000"/>
+      </a:schemeClr>
+      <a:schemeClr val="accent2">
+        <a:tint val="20000"/>
+      </a:schemeClr>
+    </dgm:fillClrLst>
+    <dgm:linClrLst meth="repeat">
+      <a:schemeClr val="lt1"/>
+    </dgm:linClrLst>
+    <dgm:effectClrLst/>
+    <dgm:txLinClrLst/>
+    <dgm:txFillClrLst meth="repeat">
+      <a:schemeClr val="lt1"/>
+    </dgm:txFillClrLst>
+    <dgm:txEffectClrLst/>
+  </dgm:styleLbl>
+  <dgm:styleLbl name="sibTrans2D1">
+    <dgm:fillClrLst meth="repeat">
+      <a:schemeClr val="accent2"/>
+      <a:schemeClr val="accent3"/>
+      <a:schemeClr val="accent4"/>
+      <a:schemeClr val="accent5"/>
+      <a:schemeClr val="accent6"/>
+    </dgm:fillClrLst>
+    <dgm:linClrLst meth="cycle">
+      <a:schemeClr val="lt1"/>
+    </dgm:linClrLst>
+    <dgm:effectClrLst/>
+    <dgm:txLinClrLst/>
+    <dgm:txFillClrLst/>
+    <dgm:txEffectClrLst/>
+  </dgm:styleLbl>
+  <dgm:styleLbl name="fgSibTrans2D1">
+    <dgm:fillClrLst meth="repeat">
+      <a:schemeClr val="accent2"/>
+      <a:schemeClr val="accent3"/>
+      <a:schemeClr val="accent4"/>
+      <a:schemeClr val="accent5"/>
+      <a:schemeClr val="accent6"/>
+    </dgm:fillClrLst>
+    <dgm:linClrLst meth="cycle">
+      <a:schemeClr val="lt1"/>
+    </dgm:linClrLst>
+    <dgm:effectClrLst/>
+    <dgm:txLinClrLst/>
+    <dgm:txFillClrLst meth="repeat">
+      <a:schemeClr val="lt1"/>
+    </dgm:txFillClrLst>
+    <dgm:txEffectClrLst/>
+  </dgm:styleLbl>
+  <dgm:styleLbl name="bgSibTrans2D1">
+    <dgm:fillClrLst meth="repeat">
+      <a:schemeClr val="accent2"/>
+      <a:schemeClr val="accent3"/>
+      <a:schemeClr val="accent4"/>
+      <a:schemeClr val="accent5"/>
+      <a:schemeClr val="accent6"/>
+    </dgm:fillClrLst>
+    <dgm:linClrLst meth="cycle">
+      <a:schemeClr val="lt1"/>
+    </dgm:linClrLst>
+    <dgm:effectClrLst/>
+    <dgm:txLinClrLst/>
+    <dgm:txFillClrLst meth="repeat">
+      <a:schemeClr val="lt1"/>
+    </dgm:txFillClrLst>
+    <dgm:txEffectClrLst/>
+  </dgm:styleLbl>
+  <dgm:styleLbl name="sibTrans1D1">
+    <dgm:fillClrLst meth="repeat">
+      <a:schemeClr val="accent2"/>
+      <a:schemeClr val="accent3"/>
+      <a:schemeClr val="accent4"/>
+      <a:schemeClr val="accent5"/>
+      <a:schemeClr val="accent6"/>
+    </dgm:fillClrLst>
+    <dgm:linClrLst meth="repeat">
+      <a:schemeClr val="accent2"/>
+      <a:schemeClr val="accent3"/>
+      <a:schemeClr val="accent4"/>
+      <a:schemeClr val="accent5"/>
+      <a:schemeClr val="accent6"/>
+    </dgm:linClrLst>
+    <dgm:effectClrLst/>
+    <dgm:txLinClrLst/>
+    <dgm:txFillClrLst meth="repeat">
+      <a:schemeClr val="tx1"/>
+    </dgm:txFillClrLst>
+    <dgm:txEffectClrLst/>
+  </dgm:styleLbl>
+  <dgm:styleLbl name="callout">
+    <dgm:fillClrLst meth="repeat">
+      <a:schemeClr val="accent2"/>
+    </dgm:fillClrLst>
+    <dgm:linClrLst meth="repeat">
+      <a:schemeClr val="accent2">
+        <a:tint val="50000"/>
+      </a:schemeClr>
+    </dgm:linClrLst>
+    <dgm:effectClrLst/>
+    <dgm:txLinClrLst/>
+    <dgm:txFillClrLst meth="repeat">
+      <a:schemeClr val="tx1"/>
+    </dgm:txFillClrLst>
+    <dgm:txEffectClrLst/>
+  </dgm:styleLbl>
+  <dgm:styleLbl name="asst0">
+    <dgm:fillClrLst meth="repeat">
+      <a:schemeClr val="accent1"/>
+    </dgm:fillClrLst>
+    <dgm:linClrLst meth="repeat">
+      <a:schemeClr val="lt1"/>
+    </dgm:linClrLst>
+    <dgm:effectClrLst/>
+    <dgm:txLinClrLst/>
+    <dgm:txFillClrLst/>
+    <dgm:txEffectClrLst/>
+  </dgm:styleLbl>
+  <dgm:styleLbl name="asst1">
+    <dgm:fillClrLst meth="repeat">
+      <a:schemeClr val="accent2"/>
+    </dgm:fillClrLst>
+    <dgm:linClrLst meth="repeat">
+      <a:schemeClr val="lt1"/>
+    </dgm:linClrLst>
+    <dgm:effectClrLst/>
+    <dgm:txLinClrLst/>
+    <dgm:txFillClrLst/>
+    <dgm:txEffectClrLst/>
+  </dgm:styleLbl>
+  <dgm:styleLbl name="asst2">
+    <dgm:fillClrLst>
+      <a:schemeClr val="accent3"/>
+    </dgm:fillClrLst>
+    <dgm:linClrLst meth="repeat">
+      <a:schemeClr val="lt1"/>
+    </dgm:linClrLst>
+    <dgm:effectClrLst/>
+    <dgm:txLinClrLst/>
+    <dgm:txFillClrLst/>
+    <dgm:txEffectClrLst/>
+  </dgm:styleLbl>
+  <dgm:styleLbl name="asst3">
+    <dgm:fillClrLst>
+      <a:schemeClr val="accent4"/>
+    </dgm:fillClrLst>
+    <dgm:linClrLst meth="repeat">
+      <a:schemeClr val="lt1"/>
+    </dgm:linClrLst>
+    <dgm:effectClrLst/>
+    <dgm:txLinClrLst/>
+    <dgm:txFillClrLst/>
+    <dgm:txEffectClrLst/>
+  </dgm:styleLbl>
+  <dgm:styleLbl name="asst4">
+    <dgm:fillClrLst>
+      <a:schemeClr val="accent5"/>
+    </dgm:fillClrLst>
+    <dgm:linClrLst meth="repeat">
+      <a:schemeClr val="lt1"/>
+    </dgm:linClrLst>
+    <dgm:effectClrLst/>
+    <dgm:txLinClrLst/>
+    <dgm:txFillClrLst/>
+    <dgm:txEffectClrLst/>
+  </dgm:styleLbl>
+  <dgm:styleLbl name="parChTrans2D1">
+    <dgm:fillClrLst meth="repeat">
+      <a:schemeClr val="accent2"/>
+    </dgm:fillClrLst>
+    <dgm:linClrLst meth="repeat">
+      <a:schemeClr val="lt1"/>
+    </dgm:linClrLst>
+    <dgm:effectClrLst/>
+    <dgm:txLinClrLst/>
+    <dgm:txFillClrLst meth="repeat">
+      <a:schemeClr val="lt1"/>
+    </dgm:txFillClrLst>
+    <dgm:txEffectClrLst/>
+  </dgm:styleLbl>
+  <dgm:styleLbl name="parChTrans2D2">
+    <dgm:fillClrLst meth="repeat">
+      <a:schemeClr val="accent3"/>
+    </dgm:fillClrLst>
+    <dgm:linClrLst meth="repeat">
+      <a:schemeClr val="lt1"/>
+    </dgm:linClrLst>
+    <dgm:effectClrLst/>
+    <dgm:txLinClrLst/>
+    <dgm:txFillClrLst/>
+    <dgm:txEffectClrLst/>
+  </dgm:styleLbl>
+  <dgm:styleLbl name="parChTrans2D3">
+    <dgm:fillClrLst meth="repeat">
+      <a:schemeClr val="accent4"/>
+    </dgm:fillClrLst>
+    <dgm:linClrLst meth="repeat">
+      <a:schemeClr val="lt1"/>
+    </dgm:linClrLst>
+    <dgm:effectClrLst/>
+    <dgm:txLinClrLst/>
+    <dgm:txFillClrLst/>
+    <dgm:txEffectClrLst/>
+  </dgm:styleLbl>
+  <dgm:styleLbl name="parChTrans2D4">
+    <dgm:fillClrLst meth="repeat">
+      <a:schemeClr val="accent5"/>
+    </dgm:fillClrLst>
+    <dgm:linClrLst meth="repeat">
+      <a:schemeClr val="lt1"/>
+    </dgm:linClrLst>
+    <dgm:effectClrLst/>
+    <dgm:txLinClrLst/>
+    <dgm:txFillClrLst meth="repeat">
+      <a:schemeClr val="lt1"/>
+    </dgm:txFillClrLst>
+    <dgm:txEffectClrLst/>
+  </dgm:styleLbl>
+  <dgm:styleLbl name="parChTrans1D1">
+    <dgm:fillClrLst meth="repeat">
+      <a:schemeClr val="accent2"/>
+    </dgm:fillClrLst>
+    <dgm:linClrLst meth="repeat">
+      <a:schemeClr val="accent1"/>
+    </dgm:linClrLst>
+    <dgm:effectClrLst/>
+    <dgm:txLinClrLst/>
+    <dgm:txFillClrLst meth="repeat">
+      <a:schemeClr val="tx1"/>
+    </dgm:txFillClrLst>
+    <dgm:txEffectClrLst/>
+  </dgm:styleLbl>
+  <dgm:styleLbl name="parChTrans1D2">
+    <dgm:fillClrLst meth="repeat">
+      <a:schemeClr val="accent3">
+        <a:tint val="90000"/>
+      </a:schemeClr>
+    </dgm:fillClrLst>
+    <dgm:linClrLst meth="repeat">
+      <a:schemeClr val="accent2"/>
+    </dgm:linClrLst>
+    <dgm:effectClrLst/>
+    <dgm:txLinClrLst/>
+    <dgm:txFillClrLst meth="repeat">
+      <a:schemeClr val="tx1"/>
+    </dgm:txFillClrLst>
+    <dgm:txEffectClrLst/>
+  </dgm:styleLbl>
+  <dgm:styleLbl name="parChTrans1D3">
+    <dgm:fillClrLst meth="repeat">
+      <a:schemeClr val="accent4">
+        <a:tint val="70000"/>
+      </a:schemeClr>
+    </dgm:fillClrLst>
+    <dgm:linClrLst meth="repeat">
+      <a:schemeClr val="accent3"/>
+    </dgm:linClrLst>
+    <dgm:effectClrLst/>
+    <dgm:txLinClrLst/>
+    <dgm:txFillClrLst meth="repeat">
+      <a:schemeClr val="tx1"/>
+    </dgm:txFillClrLst>
+    <dgm:txEffectClrLst/>
+  </dgm:styleLbl>
+  <dgm:styleLbl name="parChTrans1D4">
+    <dgm:fillClrLst meth="repeat">
+      <a:schemeClr val="accent5">
+        <a:tint val="50000"/>
+      </a:schemeClr>
+    </dgm:fillClrLst>
+    <dgm:linClrLst meth="repeat">
+      <a:schemeClr val="accent4"/>
+    </dgm:linClrLst>
+    <dgm:effectClrLst/>
+    <dgm:txLinClrLst/>
+    <dgm:txFillClrLst meth="repeat">
+      <a:schemeClr val="tx1"/>
+    </dgm:txFillClrLst>
+    <dgm:txEffectClrLst/>
+  </dgm:styleLbl>
+  <dgm:styleLbl name="fgAcc1">
+    <dgm:fillClrLst meth="repeat">
+      <a:schemeClr val="lt1">
+        <a:alpha val="90000"/>
+      </a:schemeClr>
+    </dgm:fillClrLst>
+    <dgm:linClrLst meth="repeat">
+      <a:schemeClr val="accent2"/>
+      <a:schemeClr val="accent3"/>
+      <a:schemeClr val="accent4"/>
+      <a:schemeClr val="accent5"/>
+      <a:schemeClr val="accent6"/>
+    </dgm:linClrLst>
+    <dgm:effectClrLst/>
+    <dgm:txLinClrLst/>
+    <dgm:txFillClrLst meth="repeat">
+      <a:schemeClr val="dk1"/>
+    </dgm:txFillClrLst>
+    <dgm:txEffectClrLst/>
+  </dgm:styleLbl>
+  <dgm:styleLbl name="conFgAcc1">
+    <dgm:fillClrLst meth="repeat">
+      <a:schemeClr val="lt1">
+        <a:alpha val="90000"/>
+      </a:schemeClr>
+    </dgm:fillClrLst>
+    <dgm:linClrLst meth="repeat">
+      <a:schemeClr val="accent2"/>
+      <a:schemeClr val="accent3"/>
+      <a:schemeClr val="accent4"/>
+      <a:schemeClr val="accent5"/>
+      <a:schemeClr val="accent6"/>
+    </dgm:linClrLst>
+    <dgm:effectClrLst/>
+    <dgm:txLinClrLst/>
+    <dgm:txFillClrLst meth="repeat">
+      <a:schemeClr val="dk1"/>
+    </dgm:txFillClrLst>
+    <dgm:txEffectClrLst/>
+  </dgm:styleLbl>
+  <dgm:styleLbl name="alignAcc1">
+    <dgm:fillClrLst meth="repeat">
+      <a:schemeClr val="lt1">
+        <a:alpha val="90000"/>
+      </a:schemeClr>
+    </dgm:fillClrLst>
+    <dgm:linClrLst meth="repeat">
+      <a:schemeClr val="accent2"/>
+      <a:schemeClr val="accent3"/>
+      <a:schemeClr val="accent4"/>
+      <a:schemeClr val="accent5"/>
+      <a:schemeClr val="accent6"/>
+    </dgm:linClrLst>
+    <dgm:effectClrLst/>
+    <dgm:txLinClrLst/>
+    <dgm:txFillClrLst meth="repeat">
+      <a:schemeClr val="dk1"/>
+    </dgm:txFillClrLst>
+    <dgm:txEffectClrLst/>
+  </dgm:styleLbl>
+  <dgm:styleLbl name="trAlignAcc1">
+    <dgm:fillClrLst meth="repeat">
+      <a:schemeClr val="lt1">
+        <a:alpha val="40000"/>
+      </a:schemeClr>
+    </dgm:fillClrLst>
+    <dgm:linClrLst meth="repeat">
+      <a:schemeClr val="accent1"/>
+    </dgm:linClrLst>
+    <dgm:effectClrLst/>
+    <dgm:txLinClrLst/>
+    <dgm:txFillClrLst meth="repeat">
+      <a:schemeClr val="dk1"/>
+    </dgm:txFillClrLst>
+    <dgm:txEffectClrLst/>
+  </dgm:styleLbl>
+  <dgm:styleLbl name="bgAcc1">
+    <dgm:fillClrLst meth="repeat">
+      <a:schemeClr val="lt1">
+        <a:alpha val="90000"/>
+      </a:schemeClr>
+    </dgm:fillClrLst>
+    <dgm:linClrLst meth="repeat">
+      <a:schemeClr val="accent2"/>
+      <a:schemeClr val="accent3"/>
+      <a:schemeClr val="accent4"/>
+      <a:schemeClr val="accent5"/>
+      <a:schemeClr val="accent6"/>
+    </dgm:linClrLst>
+    <dgm:effectClrLst/>
+    <dgm:txLinClrLst/>
+    <dgm:txFillClrLst meth="repeat">
+      <a:schemeClr val="dk1"/>
+    </dgm:txFillClrLst>
+    <dgm:txEffectClrLst/>
+  </dgm:styleLbl>
+  <dgm:styleLbl name="solidFgAcc1">
+    <dgm:fillClrLst meth="repeat">
+      <a:schemeClr val="lt1"/>
+    </dgm:fillClrLst>
+    <dgm:linClrLst meth="repeat">
+      <a:schemeClr val="accent2"/>
+      <a:schemeClr val="accent3"/>
+      <a:schemeClr val="accent4"/>
+      <a:schemeClr val="accent5"/>
+      <a:schemeClr val="accent6"/>
+    </dgm:linClrLst>
+    <dgm:effectClrLst/>
+    <dgm:txLinClrLst/>
+    <dgm:txFillClrLst meth="repeat">
+      <a:schemeClr val="dk1"/>
+    </dgm:txFillClrLst>
+    <dgm:txEffectClrLst/>
+  </dgm:styleLbl>
+  <dgm:styleLbl name="solidAlignAcc1">
+    <dgm:fillClrLst meth="repeat">
+      <a:schemeClr val="lt1"/>
+    </dgm:fillClrLst>
+    <dgm:linClrLst meth="repeat">
+      <a:schemeClr val="accent2"/>
+      <a:schemeClr val="accent3"/>
+      <a:schemeClr val="accent4"/>
+      <a:schemeClr val="accent5"/>
+      <a:schemeClr val="accent6"/>
+    </dgm:linClrLst>
+    <dgm:effectClrLst/>
+    <dgm:txLinClrLst/>
+    <dgm:txFillClrLst meth="repeat">
+      <a:schemeClr val="dk1"/>
+    </dgm:txFillClrLst>
+    <dgm:txEffectClrLst/>
+  </dgm:styleLbl>
+  <dgm:styleLbl name="solidBgAcc1">
+    <dgm:fillClrLst meth="repeat">
+      <a:schemeClr val="lt1"/>
+    </dgm:fillClrLst>
+    <dgm:linClrLst meth="repeat">
+      <a:schemeClr val="accent2"/>
+      <a:schemeClr val="accent3"/>
+      <a:schemeClr val="accent4"/>
+      <a:schemeClr val="accent5"/>
+      <a:schemeClr val="accent6"/>
+    </dgm:linClrLst>
+    <dgm:effectClrLst/>
+    <dgm:txLinClrLst/>
+    <dgm:txFillClrLst meth="repeat">
+      <a:schemeClr val="dk1"/>
+    </dgm:txFillClrLst>
+    <dgm:txEffectClrLst/>
+  </dgm:styleLbl>
+  <dgm:styleLbl name="fgAccFollowNode1">
+    <dgm:fillClrLst meth="repeat">
+      <a:schemeClr val="accent2">
+        <a:tint val="40000"/>
+        <a:alpha val="90000"/>
+      </a:schemeClr>
+      <a:schemeClr val="accent3">
+        <a:tint val="40000"/>
+        <a:alpha val="90000"/>
+      </a:schemeClr>
+      <a:schemeClr val="accent4">
+        <a:tint val="40000"/>
+        <a:alpha val="90000"/>
+      </a:schemeClr>
+      <a:schemeClr val="accent5">
+        <a:tint val="40000"/>
+        <a:alpha val="90000"/>
+      </a:schemeClr>
+      <a:schemeClr val="accent6">
+        <a:tint val="40000"/>
+        <a:alpha val="90000"/>
+      </a:schemeClr>
+    </dgm:fillClrLst>
+    <dgm:linClrLst meth="repeat">
+      <a:schemeClr val="accent2">
+        <a:tint val="40000"/>
+        <a:alpha val="90000"/>
+      </a:schemeClr>
+      <a:schemeClr val="accent3">
+        <a:tint val="40000"/>
+        <a:alpha val="90000"/>
+      </a:schemeClr>
+      <a:schemeClr val="accent4">
+        <a:tint val="40000"/>
+        <a:alpha val="90000"/>
+      </a:schemeClr>
+      <a:schemeClr val="accent5">
+        <a:tint val="40000"/>
+        <a:alpha val="90000"/>
+      </a:schemeClr>
+      <a:schemeClr val="accent6">
+        <a:tint val="40000"/>
+        <a:alpha val="90000"/>
+      </a:schemeClr>
+    </dgm:linClrLst>
+    <dgm:effectClrLst/>
+    <dgm:txLinClrLst/>
+    <dgm:txFillClrLst meth="repeat">
+      <a:schemeClr val="dk1"/>
+    </dgm:txFillClrLst>
+    <dgm:txEffectClrLst/>
+  </dgm:styleLbl>
+  <dgm:styleLbl name="alignAccFollowNode1">
+    <dgm:fillClrLst meth="repeat">
+      <a:schemeClr val="accent2">
+        <a:tint val="40000"/>
+        <a:alpha val="90000"/>
+      </a:schemeClr>
+      <a:schemeClr val="accent3">
+        <a:tint val="40000"/>
+        <a:alpha val="90000"/>
+      </a:schemeClr>
+      <a:schemeClr val="accent4">
+        <a:tint val="40000"/>
+        <a:alpha val="90000"/>
+      </a:schemeClr>
+      <a:schemeClr val="accent5">
+        <a:tint val="40000"/>
+        <a:alpha val="90000"/>
+      </a:schemeClr>
+      <a:schemeClr val="accent6">
+        <a:tint val="40000"/>
+        <a:alpha val="90000"/>
+      </a:schemeClr>
+    </dgm:fillClrLst>
+    <dgm:linClrLst meth="repeat">
+      <a:schemeClr val="accent2">
+        <a:tint val="40000"/>
+        <a:alpha val="90000"/>
+      </a:schemeClr>
+      <a:schemeClr val="accent3">
+        <a:tint val="40000"/>
+        <a:alpha val="90000"/>
+      </a:schemeClr>
+      <a:schemeClr val="accent4">
+        <a:tint val="40000"/>
+        <a:alpha val="90000"/>
+      </a:schemeClr>
+      <a:schemeClr val="accent5">
+        <a:tint val="40000"/>
+        <a:alpha val="90000"/>
+      </a:schemeClr>
+      <a:schemeClr val="accent6">
+        <a:tint val="40000"/>
+        <a:alpha val="90000"/>
+      </a:schemeClr>
+    </dgm:linClrLst>
+    <dgm:effectClrLst/>
+    <dgm:txLinClrLst/>
+    <dgm:txFillClrLst meth="repeat">
+      <a:schemeClr val="dk1"/>
+    </dgm:txFillClrLst>
+    <dgm:txEffectClrLst/>
+  </dgm:styleLbl>
+  <dgm:styleLbl name="bgAccFollowNode1">
+    <dgm:fillClrLst meth="repeat">
+      <a:schemeClr val="accent2">
+        <a:tint val="40000"/>
+        <a:alpha val="90000"/>
+      </a:schemeClr>
+      <a:schemeClr val="accent3">
+        <a:tint val="40000"/>
+        <a:alpha val="90000"/>
+      </a:schemeClr>
+      <a:schemeClr val="accent4">
+        <a:tint val="40000"/>
+        <a:alpha val="90000"/>
+      </a:schemeClr>
+      <a:schemeClr val="accent5">
+        <a:tint val="40000"/>
+        <a:alpha val="90000"/>
+      </a:schemeClr>
+      <a:schemeClr val="accent6">
+        <a:tint val="40000"/>
+        <a:alpha val="90000"/>
+      </a:schemeClr>
+    </dgm:fillClrLst>
+    <dgm:linClrLst meth="repeat">
+      <a:schemeClr val="accent2">
+        <a:tint val="40000"/>
+        <a:alpha val="90000"/>
+      </a:schemeClr>
+      <a:schemeClr val="accent3">
+        <a:tint val="40000"/>
+        <a:alpha val="90000"/>
+      </a:schemeClr>
+      <a:schemeClr val="accent4">
+        <a:tint val="40000"/>
+        <a:alpha val="90000"/>
+      </a:schemeClr>
+      <a:schemeClr val="accent5">
+        <a:tint val="40000"/>
+        <a:alpha val="90000"/>
+      </a:schemeClr>
+      <a:schemeClr val="accent6">
+        <a:tint val="40000"/>
+        <a:alpha val="90000"/>
+      </a:schemeClr>
+    </dgm:linClrLst>
+    <dgm:effectClrLst/>
+    <dgm:txLinClrLst/>
+    <dgm:txFillClrLst meth="repeat">
+      <a:schemeClr val="dk1"/>
+    </dgm:txFillClrLst>
+    <dgm:txEffectClrLst/>
+  </dgm:styleLbl>
+  <dgm:styleLbl name="fgAcc0">
+    <dgm:fillClrLst meth="repeat">
+      <a:schemeClr val="lt1">
+        <a:alpha val="90000"/>
+      </a:schemeClr>
+    </dgm:fillClrLst>
+    <dgm:linClrLst>
+      <a:schemeClr val="accent1"/>
+    </dgm:linClrLst>
+    <dgm:effectClrLst/>
+    <dgm:txLinClrLst/>
+    <dgm:txFillClrLst meth="repeat">
+      <a:schemeClr val="dk1"/>
+    </dgm:txFillClrLst>
+    <dgm:txEffectClrLst/>
+  </dgm:styleLbl>
+  <dgm:styleLbl name="fgAcc2">
+    <dgm:fillClrLst meth="repeat">
+      <a:schemeClr val="lt1">
+        <a:alpha val="90000"/>
+      </a:schemeClr>
+    </dgm:fillClrLst>
+    <dgm:linClrLst>
+      <a:schemeClr val="accent2"/>
+    </dgm:linClrLst>
+    <dgm:effectClrLst/>
+    <dgm:txLinClrLst/>
+    <dgm:txFillClrLst meth="repeat">
+      <a:schemeClr val="dk1"/>
+    </dgm:txFillClrLst>
+    <dgm:txEffectClrLst/>
+  </dgm:styleLbl>
+  <dgm:styleLbl name="fgAcc3">
+    <dgm:fillClrLst meth="repeat">
+      <a:schemeClr val="lt1">
+        <a:alpha val="90000"/>
+      </a:schemeClr>
+    </dgm:fillClrLst>
+    <dgm:linClrLst>
+      <a:schemeClr val="accent3"/>
+    </dgm:linClrLst>
+    <dgm:effectClrLst/>
+    <dgm:txLinClrLst/>
+    <dgm:txFillClrLst meth="repeat">
+      <a:schemeClr val="dk1"/>
+    </dgm:txFillClrLst>
+    <dgm:txEffectClrLst/>
+  </dgm:styleLbl>
+  <dgm:styleLbl name="fgAcc4">
+    <dgm:fillClrLst meth="repeat">
+      <a:schemeClr val="lt1">
+        <a:alpha val="90000"/>
+      </a:schemeClr>
+    </dgm:fillClrLst>
+    <dgm:linClrLst>
+      <a:schemeClr val="accent4"/>
+    </dgm:linClrLst>
+    <dgm:effectClrLst/>
+    <dgm:txLinClrLst/>
+    <dgm:txFillClrLst meth="repeat">
+      <a:schemeClr val="dk1"/>
+    </dgm:txFillClrLst>
+    <dgm:txEffectClrLst/>
+  </dgm:styleLbl>
+  <dgm:styleLbl name="bgShp">
+    <dgm:fillClrLst meth="repeat">
+      <a:schemeClr val="accent2"/>
+      <a:schemeClr val="accent3"/>
+      <a:schemeClr val="accent4"/>
+      <a:schemeClr val="accent5"/>
+      <a:schemeClr val="accent6"/>
+    </dgm:fillClrLst>
+    <dgm:linClrLst meth="repeat">
+      <a:schemeClr val="lt1">
+        <a:alpha val="0"/>
+      </a:schemeClr>
+    </dgm:linClrLst>
+    <dgm:effectClrLst/>
+    <dgm:txLinClrLst/>
+    <dgm:txFillClrLst/>
+    <dgm:txEffectClrLst/>
+  </dgm:styleLbl>
+  <dgm:styleLbl name="dkBgShp">
+    <dgm:fillClrLst meth="repeat">
+      <a:schemeClr val="accent2">
+        <a:shade val="90000"/>
+      </a:schemeClr>
+    </dgm:fillClrLst>
+    <dgm:linClrLst meth="repeat">
+      <a:schemeClr val="dk1"/>
+    </dgm:linClrLst>
+    <dgm:effectClrLst/>
+    <dgm:txLinClrLst/>
+    <dgm:txFillClrLst meth="repeat">
+      <a:schemeClr val="lt1"/>
+    </dgm:txFillClrLst>
+    <dgm:txEffectClrLst/>
+  </dgm:styleLbl>
+  <dgm:styleLbl name="trBgShp">
+    <dgm:fillClrLst meth="repeat">
+      <a:schemeClr val="accent1">
+        <a:tint val="50000"/>
+        <a:alpha val="40000"/>
+      </a:schemeClr>
+    </dgm:fillClrLst>
+    <dgm:linClrLst meth="repeat">
+      <a:schemeClr val="accent2"/>
+    </dgm:linClrLst>
+    <dgm:effectClrLst/>
+    <dgm:txLinClrLst/>
+    <dgm:txFillClrLst meth="repeat">
+      <a:schemeClr val="lt1"/>
+    </dgm:txFillClrLst>
+    <dgm:txEffectClrLst/>
+  </dgm:styleLbl>
+  <dgm:styleLbl name="fgShp">
+    <dgm:fillClrLst meth="repeat">
+      <a:schemeClr val="accent2">
+        <a:tint val="40000"/>
+      </a:schemeClr>
+    </dgm:fillClrLst>
+    <dgm:linClrLst meth="repeat">
+      <a:schemeClr val="lt1"/>
+    </dgm:linClrLst>
+    <dgm:effectClrLst/>
+    <dgm:txLinClrLst/>
+    <dgm:txFillClrLst meth="repeat">
+      <a:schemeClr val="dk1"/>
+    </dgm:txFillClrLst>
+    <dgm:txEffectClrLst/>
+  </dgm:styleLbl>
+  <dgm:styleLbl name="revTx">
+    <dgm:fillClrLst meth="repeat">
+      <a:schemeClr val="lt1">
+        <a:alpha val="0"/>
+      </a:schemeClr>
+    </dgm:fillClrLst>
+    <dgm:linClrLst meth="repeat">
+      <a:schemeClr val="dk1">
+        <a:alpha val="0"/>
+      </a:schemeClr>
+    </dgm:linClrLst>
+    <dgm:effectClrLst/>
+    <dgm:txLinClrLst/>
+    <dgm:txFillClrLst meth="repeat">
+      <a:schemeClr val="tx1"/>
+    </dgm:txFillClrLst>
+    <dgm:txEffectClrLst/>
+  </dgm:styleLbl>
+</dgm:colorsDef>
+</file>
+
+<file path=ppt/diagrams/data1.xml><?xml version="1.0" encoding="utf-8"?>
+<dgm:dataModel xmlns:dgm="http://schemas.openxmlformats.org/drawingml/2006/diagram" xmlns:a="http://schemas.openxmlformats.org/drawingml/2006/main">
+  <dgm:ptLst>
+    <dgm:pt modelId="{7EF159C1-6AA1-4B5A-9866-A7795066932D}" type="doc">
+      <dgm:prSet loTypeId="urn:microsoft.com/office/officeart/2018/5/layout/IconLeafLabelList" loCatId="icon" qsTypeId="urn:microsoft.com/office/officeart/2005/8/quickstyle/simple1" qsCatId="simple" csTypeId="urn:microsoft.com/office/officeart/2018/5/colors/Iconchunking_neutralicon_colorful1" csCatId="colorful" phldr="1"/>
+      <dgm:spPr/>
+      <dgm:t>
+        <a:bodyPr/>
+        <a:lstStyle/>
+        <a:p>
+          <a:endParaRPr lang="en-US"/>
+        </a:p>
+      </dgm:t>
+    </dgm:pt>
+    <dgm:pt modelId="{51B590D9-3E51-4C0C-BE3C-46E87EE095A9}">
+      <dgm:prSet/>
+      <dgm:spPr/>
+      <dgm:t>
+        <a:bodyPr/>
+        <a:lstStyle/>
+        <a:p>
+          <a:pPr>
+            <a:defRPr cap="all"/>
+          </a:pPr>
+          <a:r>
+            <a:rPr lang="en-US" b="1" i="1" u="sng" dirty="0">
+              <a:hlinkClick xmlns:r="http://schemas.openxmlformats.org/officeDocument/2006/relationships" r:id="rId1"/>
+            </a:rPr>
+            <a:t>WeatherBot</a:t>
+          </a:r>
+          <a:endParaRPr lang="en-US" dirty="0"/>
+        </a:p>
+      </dgm:t>
+    </dgm:pt>
+    <dgm:pt modelId="{50A3BF4E-0AD7-4057-BE7E-E729720CFF08}" type="parTrans" cxnId="{942D597C-90DC-44E8-AFA2-AC7037603614}">
+      <dgm:prSet/>
+      <dgm:spPr/>
+      <dgm:t>
+        <a:bodyPr/>
+        <a:lstStyle/>
+        <a:p>
+          <a:endParaRPr lang="en-US"/>
+        </a:p>
+      </dgm:t>
+    </dgm:pt>
+    <dgm:pt modelId="{78093782-8E56-4958-BD87-EF83AAC14F61}" type="sibTrans" cxnId="{942D597C-90DC-44E8-AFA2-AC7037603614}">
+      <dgm:prSet/>
+      <dgm:spPr/>
+      <dgm:t>
+        <a:bodyPr/>
+        <a:lstStyle/>
+        <a:p>
+          <a:endParaRPr lang="en-US"/>
+        </a:p>
+      </dgm:t>
+    </dgm:pt>
+    <dgm:pt modelId="{CA3846F1-29D9-40D3-9F9E-00C880EFD11B}">
+      <dgm:prSet/>
+      <dgm:spPr/>
+      <dgm:t>
+        <a:bodyPr/>
+        <a:lstStyle/>
+        <a:p>
+          <a:pPr>
+            <a:defRPr cap="all"/>
+          </a:pPr>
+          <a:r>
+            <a:rPr lang="he-IL" dirty="0"/>
+            <a:t>מוזמנים להתנסות בעצמכם.... </a:t>
+          </a:r>
+          <a:endParaRPr lang="en-US" dirty="0"/>
+        </a:p>
+      </dgm:t>
+    </dgm:pt>
+    <dgm:pt modelId="{C71DB644-03AA-49DA-AD5E-9C9949828FBD}" type="parTrans" cxnId="{96CE9739-19ED-401C-A38D-DDFB86D34475}">
+      <dgm:prSet/>
+      <dgm:spPr/>
+      <dgm:t>
+        <a:bodyPr/>
+        <a:lstStyle/>
+        <a:p>
+          <a:endParaRPr lang="en-US"/>
+        </a:p>
+      </dgm:t>
+    </dgm:pt>
+    <dgm:pt modelId="{B43367F3-BD5F-43C3-AE8D-19FE113920E9}" type="sibTrans" cxnId="{96CE9739-19ED-401C-A38D-DDFB86D34475}">
+      <dgm:prSet/>
+      <dgm:spPr/>
+      <dgm:t>
+        <a:bodyPr/>
+        <a:lstStyle/>
+        <a:p>
+          <a:endParaRPr lang="en-US"/>
+        </a:p>
+      </dgm:t>
+    </dgm:pt>
+    <dgm:pt modelId="{93E3E8C6-4A30-4C2E-AC86-613B6CEDEC8C}" type="pres">
+      <dgm:prSet presAssocID="{7EF159C1-6AA1-4B5A-9866-A7795066932D}" presName="root" presStyleCnt="0">
+        <dgm:presLayoutVars>
+          <dgm:dir/>
+          <dgm:resizeHandles val="exact"/>
+        </dgm:presLayoutVars>
+      </dgm:prSet>
+      <dgm:spPr/>
+    </dgm:pt>
+    <dgm:pt modelId="{D7C21239-E326-44DB-A3C8-0F83A8BB9D64}" type="pres">
+      <dgm:prSet presAssocID="{51B590D9-3E51-4C0C-BE3C-46E87EE095A9}" presName="compNode" presStyleCnt="0"/>
+      <dgm:spPr/>
+    </dgm:pt>
+    <dgm:pt modelId="{6EF8E99A-CA15-408C-91AF-C145AB6829A6}" type="pres">
+      <dgm:prSet presAssocID="{51B590D9-3E51-4C0C-BE3C-46E87EE095A9}" presName="iconBgRect" presStyleLbl="bgShp" presStyleIdx="0" presStyleCnt="2"/>
+      <dgm:spPr>
+        <a:prstGeom prst="round2DiagRect">
+          <a:avLst>
+            <a:gd name="adj1" fmla="val 29727"/>
+            <a:gd name="adj2" fmla="val 0"/>
+          </a:avLst>
+        </a:prstGeom>
+      </dgm:spPr>
+    </dgm:pt>
+    <dgm:pt modelId="{74C473A3-F1F3-4163-A9A5-A1148DCA89C8}" type="pres">
+      <dgm:prSet presAssocID="{51B590D9-3E51-4C0C-BE3C-46E87EE095A9}" presName="iconRect" presStyleLbl="node1" presStyleIdx="0" presStyleCnt="2"/>
+      <dgm:spPr>
+        <a:blipFill>
+          <a:blip xmlns:r="http://schemas.openxmlformats.org/officeDocument/2006/relationships" r:embed="rId2">
+            <a:extLst>
+              <a:ext uri="{28A0092B-C50C-407E-A947-70E740481C1C}">
+                <a14:useLocalDpi xmlns:a14="http://schemas.microsoft.com/office/drawing/2010/main" val="0"/>
+              </a:ext>
+              <a:ext uri="{96DAC541-7B7A-43D3-8B79-37D633B846F1}">
+                <asvg:svgBlip xmlns:asvg="http://schemas.microsoft.com/office/drawing/2016/SVG/main" r:embed="rId3"/>
+              </a:ext>
+            </a:extLst>
+          </a:blip>
+          <a:stretch>
+            <a:fillRect/>
+          </a:stretch>
+        </a:blipFill>
+        <a:ln>
+          <a:noFill/>
+        </a:ln>
+      </dgm:spPr>
+      <dgm:extLst>
+        <a:ext uri="{E40237B7-FDA0-4F09-8148-C483321AD2D9}">
+          <dgm14:cNvPr xmlns:dgm14="http://schemas.microsoft.com/office/drawing/2010/diagram" id="0" name="" descr="Umbrella"/>
+        </a:ext>
+      </dgm:extLst>
+    </dgm:pt>
+    <dgm:pt modelId="{EA2B7D4B-C02A-46AD-ADFE-3B0284BB876B}" type="pres">
+      <dgm:prSet presAssocID="{51B590D9-3E51-4C0C-BE3C-46E87EE095A9}" presName="spaceRect" presStyleCnt="0"/>
+      <dgm:spPr/>
+    </dgm:pt>
+    <dgm:pt modelId="{044F2F5E-18B6-40A9-8507-9158079D377E}" type="pres">
+      <dgm:prSet presAssocID="{51B590D9-3E51-4C0C-BE3C-46E87EE095A9}" presName="textRect" presStyleLbl="revTx" presStyleIdx="0" presStyleCnt="2">
+        <dgm:presLayoutVars>
+          <dgm:chMax val="1"/>
+          <dgm:chPref val="1"/>
+        </dgm:presLayoutVars>
+      </dgm:prSet>
+      <dgm:spPr/>
+    </dgm:pt>
+    <dgm:pt modelId="{5FFAAFF0-FC8E-44B2-B465-BD299A0B5FEC}" type="pres">
+      <dgm:prSet presAssocID="{78093782-8E56-4958-BD87-EF83AAC14F61}" presName="sibTrans" presStyleCnt="0"/>
+      <dgm:spPr/>
+    </dgm:pt>
+    <dgm:pt modelId="{988911B1-D520-4704-8C16-8652B0FFD37C}" type="pres">
+      <dgm:prSet presAssocID="{CA3846F1-29D9-40D3-9F9E-00C880EFD11B}" presName="compNode" presStyleCnt="0"/>
+      <dgm:spPr/>
+    </dgm:pt>
+    <dgm:pt modelId="{2C9077B0-9449-47F3-97C3-2164290FB3BF}" type="pres">
+      <dgm:prSet presAssocID="{CA3846F1-29D9-40D3-9F9E-00C880EFD11B}" presName="iconBgRect" presStyleLbl="bgShp" presStyleIdx="1" presStyleCnt="2"/>
+      <dgm:spPr>
+        <a:prstGeom prst="round2DiagRect">
+          <a:avLst>
+            <a:gd name="adj1" fmla="val 29727"/>
+            <a:gd name="adj2" fmla="val 0"/>
+          </a:avLst>
+        </a:prstGeom>
+      </dgm:spPr>
+    </dgm:pt>
+    <dgm:pt modelId="{36F18F9B-AA1B-4D0D-9382-C4365B8A5DFD}" type="pres">
+      <dgm:prSet presAssocID="{CA3846F1-29D9-40D3-9F9E-00C880EFD11B}" presName="iconRect" presStyleLbl="node1" presStyleIdx="1" presStyleCnt="2"/>
+      <dgm:spPr>
+        <a:blipFill>
+          <a:blip xmlns:r="http://schemas.openxmlformats.org/officeDocument/2006/relationships" r:embed="rId4">
+            <a:extLst>
+              <a:ext uri="{28A0092B-C50C-407E-A947-70E740481C1C}">
+                <a14:useLocalDpi xmlns:a14="http://schemas.microsoft.com/office/drawing/2010/main" val="0"/>
+              </a:ext>
+              <a:ext uri="{96DAC541-7B7A-43D3-8B79-37D633B846F1}">
+                <asvg:svgBlip xmlns:asvg="http://schemas.microsoft.com/office/drawing/2016/SVG/main" r:embed="rId5"/>
+              </a:ext>
+            </a:extLst>
+          </a:blip>
+          <a:stretch>
+            <a:fillRect/>
+          </a:stretch>
+        </a:blipFill>
+        <a:ln>
+          <a:noFill/>
+        </a:ln>
+      </dgm:spPr>
+      <dgm:extLst>
+        <a:ext uri="{E40237B7-FDA0-4F09-8148-C483321AD2D9}">
+          <dgm14:cNvPr xmlns:dgm14="http://schemas.microsoft.com/office/drawing/2010/diagram" id="0" name="" descr="Chat"/>
+        </a:ext>
+      </dgm:extLst>
+    </dgm:pt>
+    <dgm:pt modelId="{54DE172B-C013-421D-A1BB-3939390E0432}" type="pres">
+      <dgm:prSet presAssocID="{CA3846F1-29D9-40D3-9F9E-00C880EFD11B}" presName="spaceRect" presStyleCnt="0"/>
+      <dgm:spPr/>
+    </dgm:pt>
+    <dgm:pt modelId="{40DC3344-35EC-48D8-A548-6C45D4B4118F}" type="pres">
+      <dgm:prSet presAssocID="{CA3846F1-29D9-40D3-9F9E-00C880EFD11B}" presName="textRect" presStyleLbl="revTx" presStyleIdx="1" presStyleCnt="2">
+        <dgm:presLayoutVars>
+          <dgm:chMax val="1"/>
+          <dgm:chPref val="1"/>
+        </dgm:presLayoutVars>
+      </dgm:prSet>
+      <dgm:spPr/>
+    </dgm:pt>
+  </dgm:ptLst>
+  <dgm:cxnLst>
+    <dgm:cxn modelId="{96CE9739-19ED-401C-A38D-DDFB86D34475}" srcId="{7EF159C1-6AA1-4B5A-9866-A7795066932D}" destId="{CA3846F1-29D9-40D3-9F9E-00C880EFD11B}" srcOrd="1" destOrd="0" parTransId="{C71DB644-03AA-49DA-AD5E-9C9949828FBD}" sibTransId="{B43367F3-BD5F-43C3-AE8D-19FE113920E9}"/>
+    <dgm:cxn modelId="{E6363B6A-6C83-4706-8583-D4A76F05FA95}" type="presOf" srcId="{7EF159C1-6AA1-4B5A-9866-A7795066932D}" destId="{93E3E8C6-4A30-4C2E-AC86-613B6CEDEC8C}" srcOrd="0" destOrd="0" presId="urn:microsoft.com/office/officeart/2018/5/layout/IconLeafLabelList"/>
+    <dgm:cxn modelId="{4B2A666D-F9D9-47C2-890F-CFA02EFC2229}" type="presOf" srcId="{CA3846F1-29D9-40D3-9F9E-00C880EFD11B}" destId="{40DC3344-35EC-48D8-A548-6C45D4B4118F}" srcOrd="0" destOrd="0" presId="urn:microsoft.com/office/officeart/2018/5/layout/IconLeafLabelList"/>
+    <dgm:cxn modelId="{942D597C-90DC-44E8-AFA2-AC7037603614}" srcId="{7EF159C1-6AA1-4B5A-9866-A7795066932D}" destId="{51B590D9-3E51-4C0C-BE3C-46E87EE095A9}" srcOrd="0" destOrd="0" parTransId="{50A3BF4E-0AD7-4057-BE7E-E729720CFF08}" sibTransId="{78093782-8E56-4958-BD87-EF83AAC14F61}"/>
+    <dgm:cxn modelId="{CAEEB9D6-6159-4FA8-8496-31FEACA3DCD5}" type="presOf" srcId="{51B590D9-3E51-4C0C-BE3C-46E87EE095A9}" destId="{044F2F5E-18B6-40A9-8507-9158079D377E}" srcOrd="0" destOrd="0" presId="urn:microsoft.com/office/officeart/2018/5/layout/IconLeafLabelList"/>
+    <dgm:cxn modelId="{5D58C8B0-9049-462D-A9A7-0B0EC5905106}" type="presParOf" srcId="{93E3E8C6-4A30-4C2E-AC86-613B6CEDEC8C}" destId="{D7C21239-E326-44DB-A3C8-0F83A8BB9D64}" srcOrd="0" destOrd="0" presId="urn:microsoft.com/office/officeart/2018/5/layout/IconLeafLabelList"/>
+    <dgm:cxn modelId="{82743A42-B75E-4338-B6AF-D67FBC63FB1D}" type="presParOf" srcId="{D7C21239-E326-44DB-A3C8-0F83A8BB9D64}" destId="{6EF8E99A-CA15-408C-91AF-C145AB6829A6}" srcOrd="0" destOrd="0" presId="urn:microsoft.com/office/officeart/2018/5/layout/IconLeafLabelList"/>
+    <dgm:cxn modelId="{69C5FDE2-EC8B-4E1C-A92B-77AF7EC53209}" type="presParOf" srcId="{D7C21239-E326-44DB-A3C8-0F83A8BB9D64}" destId="{74C473A3-F1F3-4163-A9A5-A1148DCA89C8}" srcOrd="1" destOrd="0" presId="urn:microsoft.com/office/officeart/2018/5/layout/IconLeafLabelList"/>
+    <dgm:cxn modelId="{7CEBB112-7664-45FB-86A5-BC4A7BC044CF}" type="presParOf" srcId="{D7C21239-E326-44DB-A3C8-0F83A8BB9D64}" destId="{EA2B7D4B-C02A-46AD-ADFE-3B0284BB876B}" srcOrd="2" destOrd="0" presId="urn:microsoft.com/office/officeart/2018/5/layout/IconLeafLabelList"/>
+    <dgm:cxn modelId="{E75A8D09-22CD-40E2-8A00-49343ED335A6}" type="presParOf" srcId="{D7C21239-E326-44DB-A3C8-0F83A8BB9D64}" destId="{044F2F5E-18B6-40A9-8507-9158079D377E}" srcOrd="3" destOrd="0" presId="urn:microsoft.com/office/officeart/2018/5/layout/IconLeafLabelList"/>
+    <dgm:cxn modelId="{356B8AE5-411B-479D-8A0D-A2086A039DE9}" type="presParOf" srcId="{93E3E8C6-4A30-4C2E-AC86-613B6CEDEC8C}" destId="{5FFAAFF0-FC8E-44B2-B465-BD299A0B5FEC}" srcOrd="1" destOrd="0" presId="urn:microsoft.com/office/officeart/2018/5/layout/IconLeafLabelList"/>
+    <dgm:cxn modelId="{D8D5DBDE-16C9-4559-A178-27666266BCCE}" type="presParOf" srcId="{93E3E8C6-4A30-4C2E-AC86-613B6CEDEC8C}" destId="{988911B1-D520-4704-8C16-8652B0FFD37C}" srcOrd="2" destOrd="0" presId="urn:microsoft.com/office/officeart/2018/5/layout/IconLeafLabelList"/>
+    <dgm:cxn modelId="{F6F3605E-2CE2-43F6-8791-D98932BC2726}" type="presParOf" srcId="{988911B1-D520-4704-8C16-8652B0FFD37C}" destId="{2C9077B0-9449-47F3-97C3-2164290FB3BF}" srcOrd="0" destOrd="0" presId="urn:microsoft.com/office/officeart/2018/5/layout/IconLeafLabelList"/>
+    <dgm:cxn modelId="{637417DA-E60F-4F04-8197-EAAA9CA7623E}" type="presParOf" srcId="{988911B1-D520-4704-8C16-8652B0FFD37C}" destId="{36F18F9B-AA1B-4D0D-9382-C4365B8A5DFD}" srcOrd="1" destOrd="0" presId="urn:microsoft.com/office/officeart/2018/5/layout/IconLeafLabelList"/>
+    <dgm:cxn modelId="{5C9A1E54-281E-40F9-BC58-292887C1D143}" type="presParOf" srcId="{988911B1-D520-4704-8C16-8652B0FFD37C}" destId="{54DE172B-C013-421D-A1BB-3939390E0432}" srcOrd="2" destOrd="0" presId="urn:microsoft.com/office/officeart/2018/5/layout/IconLeafLabelList"/>
+    <dgm:cxn modelId="{34696907-41F0-43A4-9EB4-E4C3A1C6E179}" type="presParOf" srcId="{988911B1-D520-4704-8C16-8652B0FFD37C}" destId="{40DC3344-35EC-48D8-A548-6C45D4B4118F}" srcOrd="3" destOrd="0" presId="urn:microsoft.com/office/officeart/2018/5/layout/IconLeafLabelList"/>
+  </dgm:cxnLst>
+  <dgm:bg/>
+  <dgm:whole/>
+  <dgm:extLst>
+    <a:ext uri="http://schemas.microsoft.com/office/drawing/2008/diagram">
+      <dsp:dataModelExt xmlns:dsp="http://schemas.microsoft.com/office/drawing/2008/diagram" relId="rId7" minVer="http://schemas.openxmlformats.org/drawingml/2006/diagram"/>
+    </a:ext>
+  </dgm:extLst>
+</dgm:dataModel>
+</file>
+
+<file path=ppt/diagrams/drawing1.xml><?xml version="1.0" encoding="utf-8"?>
+<dsp:drawing xmlns:dgm="http://schemas.openxmlformats.org/drawingml/2006/diagram" xmlns:dsp="http://schemas.microsoft.com/office/drawing/2008/diagram" xmlns:a="http://schemas.openxmlformats.org/drawingml/2006/main">
+  <dsp:spTree>
+    <dsp:nvGrpSpPr>
+      <dsp:cNvPr id="0" name=""/>
+      <dsp:cNvGrpSpPr/>
+    </dsp:nvGrpSpPr>
+    <dsp:grpSpPr/>
+    <dsp:sp modelId="{6EF8E99A-CA15-408C-91AF-C145AB6829A6}">
+      <dsp:nvSpPr>
+        <dsp:cNvPr id="0" name=""/>
+        <dsp:cNvSpPr/>
+      </dsp:nvSpPr>
+      <dsp:spPr>
+        <a:xfrm>
+          <a:off x="561423" y="1190491"/>
+          <a:ext cx="1578375" cy="1578375"/>
+        </a:xfrm>
+        <a:prstGeom prst="round2DiagRect">
+          <a:avLst>
+            <a:gd name="adj1" fmla="val 29727"/>
+            <a:gd name="adj2" fmla="val 0"/>
+          </a:avLst>
+        </a:prstGeom>
+        <a:solidFill>
+          <a:schemeClr val="accent2">
+            <a:hueOff val="0"/>
+            <a:satOff val="0"/>
+            <a:lumOff val="0"/>
+            <a:alphaOff val="0"/>
+          </a:schemeClr>
+        </a:solidFill>
+        <a:ln>
+          <a:noFill/>
+        </a:ln>
+        <a:effectLst/>
+      </dsp:spPr>
+      <dsp:style>
+        <a:lnRef idx="0">
+          <a:scrgbClr r="0" g="0" b="0"/>
+        </a:lnRef>
+        <a:fillRef idx="1">
+          <a:scrgbClr r="0" g="0" b="0"/>
+        </a:fillRef>
+        <a:effectRef idx="0">
+          <a:scrgbClr r="0" g="0" b="0"/>
+        </a:effectRef>
+        <a:fontRef idx="minor"/>
+      </dsp:style>
+    </dsp:sp>
+    <dsp:sp modelId="{74C473A3-F1F3-4163-A9A5-A1148DCA89C8}">
+      <dsp:nvSpPr>
+        <dsp:cNvPr id="0" name=""/>
+        <dsp:cNvSpPr/>
+      </dsp:nvSpPr>
+      <dsp:spPr>
+        <a:xfrm>
+          <a:off x="897798" y="1526866"/>
+          <a:ext cx="905625" cy="905625"/>
+        </a:xfrm>
+        <a:prstGeom prst="rect">
+          <a:avLst/>
+        </a:prstGeom>
+        <a:blipFill>
+          <a:blip xmlns:r="http://schemas.openxmlformats.org/officeDocument/2006/relationships" r:embed="rId1">
+            <a:extLst>
+              <a:ext uri="{28A0092B-C50C-407E-A947-70E740481C1C}">
+                <a14:useLocalDpi xmlns:a14="http://schemas.microsoft.com/office/drawing/2010/main" val="0"/>
+              </a:ext>
+              <a:ext uri="{96DAC541-7B7A-43D3-8B79-37D633B846F1}">
+                <asvg:svgBlip xmlns:asvg="http://schemas.microsoft.com/office/drawing/2016/SVG/main" r:embed="rId2"/>
+              </a:ext>
+            </a:extLst>
+          </a:blip>
+          <a:stretch>
+            <a:fillRect/>
+          </a:stretch>
+        </a:blipFill>
+        <a:ln w="19050" cap="rnd" cmpd="sng" algn="ctr">
+          <a:noFill/>
+          <a:prstDash val="solid"/>
+        </a:ln>
+        <a:effectLst/>
+      </dsp:spPr>
+      <dsp:style>
+        <a:lnRef idx="2">
+          <a:scrgbClr r="0" g="0" b="0"/>
+        </a:lnRef>
+        <a:fillRef idx="1">
+          <a:scrgbClr r="0" g="0" b="0"/>
+        </a:fillRef>
+        <a:effectRef idx="0">
+          <a:scrgbClr r="0" g="0" b="0"/>
+        </a:effectRef>
+        <a:fontRef idx="minor">
+          <a:schemeClr val="lt1"/>
+        </a:fontRef>
+      </dsp:style>
+    </dsp:sp>
+    <dsp:sp modelId="{044F2F5E-18B6-40A9-8507-9158079D377E}">
+      <dsp:nvSpPr>
+        <dsp:cNvPr id="0" name=""/>
+        <dsp:cNvSpPr/>
+      </dsp:nvSpPr>
+      <dsp:spPr>
+        <a:xfrm>
+          <a:off x="56860" y="3260491"/>
+          <a:ext cx="2587500" cy="720000"/>
+        </a:xfrm>
+        <a:prstGeom prst="rect">
+          <a:avLst/>
+        </a:prstGeom>
+        <a:noFill/>
+        <a:ln>
+          <a:noFill/>
+        </a:ln>
+        <a:effectLst/>
+      </dsp:spPr>
+      <dsp:style>
+        <a:lnRef idx="0">
+          <a:scrgbClr r="0" g="0" b="0"/>
+        </a:lnRef>
+        <a:fillRef idx="0">
+          <a:scrgbClr r="0" g="0" b="0"/>
+        </a:fillRef>
+        <a:effectRef idx="0">
+          <a:scrgbClr r="0" g="0" b="0"/>
+        </a:effectRef>
+        <a:fontRef idx="minor"/>
+      </dsp:style>
+      <dsp:txBody>
+        <a:bodyPr spcFirstLastPara="0" vert="horz" wrap="square" lIns="0" tIns="0" rIns="0" bIns="0" numCol="1" spcCol="1270" anchor="t" anchorCtr="0">
+          <a:noAutofit/>
+        </a:bodyPr>
+        <a:lstStyle/>
+        <a:p>
+          <a:pPr marL="0" lvl="0" indent="0" algn="ctr" defTabSz="1155700">
+            <a:lnSpc>
+              <a:spcPct val="90000"/>
+            </a:lnSpc>
+            <a:spcBef>
+              <a:spcPct val="0"/>
+            </a:spcBef>
+            <a:spcAft>
+              <a:spcPct val="35000"/>
+            </a:spcAft>
+            <a:buNone/>
+            <a:defRPr cap="all"/>
+          </a:pPr>
+          <a:r>
+            <a:rPr lang="en-US" sz="2600" b="1" i="1" u="sng" kern="1200" dirty="0">
+              <a:hlinkClick xmlns:r="http://schemas.openxmlformats.org/officeDocument/2006/relationships" r:id="rId3"/>
+            </a:rPr>
+            <a:t>WeatherBot</a:t>
+          </a:r>
+          <a:endParaRPr lang="en-US" sz="2600" kern="1200" dirty="0"/>
+        </a:p>
+      </dsp:txBody>
+      <dsp:txXfrm>
+        <a:off x="56860" y="3260491"/>
+        <a:ext cx="2587500" cy="720000"/>
+      </dsp:txXfrm>
+    </dsp:sp>
+    <dsp:sp modelId="{2C9077B0-9449-47F3-97C3-2164290FB3BF}">
+      <dsp:nvSpPr>
+        <dsp:cNvPr id="0" name=""/>
+        <dsp:cNvSpPr/>
+      </dsp:nvSpPr>
+      <dsp:spPr>
+        <a:xfrm>
+          <a:off x="3601735" y="1190491"/>
+          <a:ext cx="1578375" cy="1578375"/>
+        </a:xfrm>
+        <a:prstGeom prst="round2DiagRect">
+          <a:avLst>
+            <a:gd name="adj1" fmla="val 29727"/>
+            <a:gd name="adj2" fmla="val 0"/>
+          </a:avLst>
+        </a:prstGeom>
+        <a:solidFill>
+          <a:schemeClr val="accent3">
+            <a:hueOff val="0"/>
+            <a:satOff val="0"/>
+            <a:lumOff val="0"/>
+            <a:alphaOff val="0"/>
+          </a:schemeClr>
+        </a:solidFill>
+        <a:ln>
+          <a:noFill/>
+        </a:ln>
+        <a:effectLst/>
+      </dsp:spPr>
+      <dsp:style>
+        <a:lnRef idx="0">
+          <a:scrgbClr r="0" g="0" b="0"/>
+        </a:lnRef>
+        <a:fillRef idx="1">
+          <a:scrgbClr r="0" g="0" b="0"/>
+        </a:fillRef>
+        <a:effectRef idx="0">
+          <a:scrgbClr r="0" g="0" b="0"/>
+        </a:effectRef>
+        <a:fontRef idx="minor"/>
+      </dsp:style>
+    </dsp:sp>
+    <dsp:sp modelId="{36F18F9B-AA1B-4D0D-9382-C4365B8A5DFD}">
+      <dsp:nvSpPr>
+        <dsp:cNvPr id="0" name=""/>
+        <dsp:cNvSpPr/>
+      </dsp:nvSpPr>
+      <dsp:spPr>
+        <a:xfrm>
+          <a:off x="3938110" y="1526866"/>
+          <a:ext cx="905625" cy="905625"/>
+        </a:xfrm>
+        <a:prstGeom prst="rect">
+          <a:avLst/>
+        </a:prstGeom>
+        <a:blipFill>
+          <a:blip xmlns:r="http://schemas.openxmlformats.org/officeDocument/2006/relationships" r:embed="rId4">
+            <a:extLst>
+              <a:ext uri="{28A0092B-C50C-407E-A947-70E740481C1C}">
+                <a14:useLocalDpi xmlns:a14="http://schemas.microsoft.com/office/drawing/2010/main" val="0"/>
+              </a:ext>
+              <a:ext uri="{96DAC541-7B7A-43D3-8B79-37D633B846F1}">
+                <asvg:svgBlip xmlns:asvg="http://schemas.microsoft.com/office/drawing/2016/SVG/main" r:embed="rId5"/>
+              </a:ext>
+            </a:extLst>
+          </a:blip>
+          <a:stretch>
+            <a:fillRect/>
+          </a:stretch>
+        </a:blipFill>
+        <a:ln w="19050" cap="rnd" cmpd="sng" algn="ctr">
+          <a:noFill/>
+          <a:prstDash val="solid"/>
+        </a:ln>
+        <a:effectLst/>
+      </dsp:spPr>
+      <dsp:style>
+        <a:lnRef idx="2">
+          <a:scrgbClr r="0" g="0" b="0"/>
+        </a:lnRef>
+        <a:fillRef idx="1">
+          <a:scrgbClr r="0" g="0" b="0"/>
+        </a:fillRef>
+        <a:effectRef idx="0">
+          <a:scrgbClr r="0" g="0" b="0"/>
+        </a:effectRef>
+        <a:fontRef idx="minor">
+          <a:schemeClr val="lt1"/>
+        </a:fontRef>
+      </dsp:style>
+    </dsp:sp>
+    <dsp:sp modelId="{40DC3344-35EC-48D8-A548-6C45D4B4118F}">
+      <dsp:nvSpPr>
+        <dsp:cNvPr id="0" name=""/>
+        <dsp:cNvSpPr/>
+      </dsp:nvSpPr>
+      <dsp:spPr>
+        <a:xfrm>
+          <a:off x="3097173" y="3260491"/>
+          <a:ext cx="2587500" cy="720000"/>
+        </a:xfrm>
+        <a:prstGeom prst="rect">
+          <a:avLst/>
+        </a:prstGeom>
+        <a:noFill/>
+        <a:ln>
+          <a:noFill/>
+        </a:ln>
+        <a:effectLst/>
+      </dsp:spPr>
+      <dsp:style>
+        <a:lnRef idx="0">
+          <a:scrgbClr r="0" g="0" b="0"/>
+        </a:lnRef>
+        <a:fillRef idx="0">
+          <a:scrgbClr r="0" g="0" b="0"/>
+        </a:fillRef>
+        <a:effectRef idx="0">
+          <a:scrgbClr r="0" g="0" b="0"/>
+        </a:effectRef>
+        <a:fontRef idx="minor"/>
+      </dsp:style>
+      <dsp:txBody>
+        <a:bodyPr spcFirstLastPara="0" vert="horz" wrap="square" lIns="0" tIns="0" rIns="0" bIns="0" numCol="1" spcCol="1270" anchor="t" anchorCtr="0">
+          <a:noAutofit/>
+        </a:bodyPr>
+        <a:lstStyle/>
+        <a:p>
+          <a:pPr marL="0" lvl="0" indent="0" algn="ctr" defTabSz="1155700">
+            <a:lnSpc>
+              <a:spcPct val="90000"/>
+            </a:lnSpc>
+            <a:spcBef>
+              <a:spcPct val="0"/>
+            </a:spcBef>
+            <a:spcAft>
+              <a:spcPct val="35000"/>
+            </a:spcAft>
+            <a:buNone/>
+            <a:defRPr cap="all"/>
+          </a:pPr>
+          <a:r>
+            <a:rPr lang="he-IL" sz="2600" kern="1200" dirty="0"/>
+            <a:t>מוזמנים להתנסות בעצמכם.... </a:t>
+          </a:r>
+          <a:endParaRPr lang="en-US" sz="2600" kern="1200" dirty="0"/>
+        </a:p>
+      </dsp:txBody>
+      <dsp:txXfrm>
+        <a:off x="3097173" y="3260491"/>
+        <a:ext cx="2587500" cy="720000"/>
+      </dsp:txXfrm>
+    </dsp:sp>
+  </dsp:spTree>
+</dsp:drawing>
+</file>
+
+<file path=ppt/diagrams/layout1.xml><?xml version="1.0" encoding="utf-8"?>
+<dgm:layoutDef xmlns:dgm="http://schemas.openxmlformats.org/drawingml/2006/diagram" xmlns:a="http://schemas.openxmlformats.org/drawingml/2006/main" uniqueId="urn:microsoft.com/office/officeart/2018/5/layout/IconLeafLabelList">
+  <dgm:title val="Icon Leaf Label List"/>
+  <dgm:desc val="Use to show non-sequential or grouped chunks of information accompanied by a related visuals. Works best with icons or small pictures with short text captions."/>
+  <dgm:catLst>
+    <dgm:cat type="icon" pri="500"/>
+  </dgm:catLst>
+  <dgm:sampData useDef="1">
+    <dgm:dataModel>
+      <dgm:ptLst/>
+      <dgm:bg/>
+      <dgm:whole/>
+    </dgm:dataModel>
+  </dgm:sampData>
+  <dgm:styleData useDef="1">
+    <dgm:dataModel>
+      <dgm:ptLst/>
+      <dgm:bg/>
+      <dgm:whole/>
+    </dgm:dataModel>
+  </dgm:styleData>
+  <dgm:clrData useDef="1">
+    <dgm:dataModel>
+      <dgm:ptLst/>
+      <dgm:bg/>
+      <dgm:whole/>
+    </dgm:dataModel>
+  </dgm:clrData>
+  <dgm:layoutNode name="root">
+    <dgm:varLst>
+      <dgm:dir/>
+      <dgm:resizeHandles val="exact"/>
+    </dgm:varLst>
+    <dgm:choose name="Name0">
+      <dgm:if name="Name1" axis="self" func="var" arg="dir" op="equ" val="norm">
+        <dgm:alg type="snake">
+          <dgm:param type="grDir" val="tL"/>
+          <dgm:param type="flowDir" val="row"/>
+          <dgm:param type="contDir" val="sameDir"/>
+          <dgm:param type="off" val="ctr"/>
+          <dgm:param type="vertAlign" val="mid"/>
+          <dgm:param type="horzAlign" val="ctr"/>
+        </dgm:alg>
+      </dgm:if>
+      <dgm:else name="Name2">
+        <dgm:alg type="snake">
+          <dgm:param type="grDir" val="tR"/>
+          <dgm:param type="flowDir" val="row"/>
+          <dgm:param type="contDir" val="sameDir"/>
+          <dgm:param type="off" val="ctr"/>
+          <dgm:param type="vertAlign" val="mid"/>
+          <dgm:param type="horzAlign" val="ctr"/>
+        </dgm:alg>
+      </dgm:else>
+    </dgm:choose>
+    <dgm:shape xmlns:r="http://schemas.openxmlformats.org/officeDocument/2006/relationships" r:blip="">
+      <dgm:adjLst/>
+    </dgm:shape>
+    <dgm:presOf/>
+    <dgm:choose name="Name3">
+      <dgm:if name="Name4" axis="ch" ptType="node" func="cnt" op="lte" val="2">
+        <dgm:constrLst>
+          <dgm:constr type="h" for="ch" forName="compNode" refType="h" fact="0.4"/>
+          <dgm:constr type="w" for="ch" forName="compNode" val="100"/>
+          <dgm:constr type="w" for="ch" forName="sibTrans" refType="w" refFor="ch" refForName="compNode" fact="0.175"/>
+          <dgm:constr type="sp" refType="w" refFor="ch" refForName="compNode" op="equ" fact="0.25"/>
+          <dgm:constr type="primFontSz" for="des" ptType="node" op="equ" val="44"/>
+          <dgm:constr type="h" for="des" forName="compNode" op="equ"/>
+          <dgm:constr type="h" for="des" forName="textRect" op="equ"/>
+        </dgm:constrLst>
+      </dgm:if>
+      <dgm:if name="Name5" axis="ch" ptType="node" func="cnt" op="lte" val="3">
+        <dgm:constrLst>
+          <dgm:constr type="h" for="ch" forName="compNode" refType="h" fact="0.4"/>
+          <dgm:constr type="w" for="ch" forName="compNode" val="100"/>
+          <dgm:constr type="w" for="ch" forName="sibTrans" refType="w" refFor="ch" refForName="compNode" fact="0.175"/>
+          <dgm:constr type="sp" refType="w" refFor="ch" refForName="compNode" op="equ" fact="0.25"/>
+          <dgm:constr type="primFontSz" for="des" ptType="node" op="equ" val="40"/>
+          <dgm:constr type="h" for="des" forName="compNode" op="equ"/>
+          <dgm:constr type="h" for="des" forName="textRect" op="equ"/>
+        </dgm:constrLst>
+      </dgm:if>
+      <dgm:if name="Name6" axis="ch" ptType="node" func="cnt" op="lte" val="4">
+        <dgm:constrLst>
+          <dgm:constr type="h" for="ch" forName="compNode" refType="h" fact="0.4"/>
+          <dgm:constr type="w" for="ch" forName="compNode" refType="w"/>
+          <dgm:constr type="w" for="ch" forName="sibTrans" refType="w" refFor="ch" refForName="compNode" fact="0.175"/>
+          <dgm:constr type="sp" refType="w" refFor="ch" refForName="compNode" op="equ" fact="0.25"/>
+          <dgm:constr type="primFontSz" for="des" ptType="node" op="equ" val="32"/>
+          <dgm:constr type="h" for="des" forName="compNode" op="equ"/>
+          <dgm:constr type="h" for="des" forName="textRect" op="equ"/>
+        </dgm:constrLst>
+      </dgm:if>
+      <dgm:else name="Name7">
+        <dgm:constrLst>
+          <dgm:constr type="h" for="ch" forName="compNode" refType="h" fact="0.4"/>
+          <dgm:constr type="w" for="ch" forName="compNode" refType="w"/>
+          <dgm:constr type="w" for="ch" forName="sibTrans" refType="w" refFor="ch" refForName="compNode" fact="0.175"/>
+          <dgm:constr type="sp" refType="w" refFor="ch" refForName="compNode" op="equ" fact="0.25"/>
+          <dgm:constr type="primFontSz" for="des" ptType="node" op="equ" val="24"/>
+          <dgm:constr type="h" for="des" forName="compNode" op="equ"/>
+          <dgm:constr type="h" for="des" forName="textRect" op="equ"/>
+        </dgm:constrLst>
+      </dgm:else>
+    </dgm:choose>
+    <dgm:ruleLst>
+      <dgm:rule type="w" for="ch" forName="compNode" val="50" fact="NaN" max="NaN"/>
+    </dgm:ruleLst>
+    <dgm:forEach name="Name8" axis="ch" ptType="node">
+      <dgm:layoutNode name="compNode">
+        <dgm:alg type="composite"/>
+        <dgm:shape xmlns:r="http://schemas.openxmlformats.org/officeDocument/2006/relationships" r:blip="">
+          <dgm:adjLst/>
+        </dgm:shape>
+        <dgm:presOf axis="self"/>
+        <dgm:constrLst>
+          <dgm:constr type="w" for="ch" forName="iconBgRect" refType="w" fact="0.61"/>
+          <dgm:constr type="h" for="ch" forName="iconBgRect" refType="w" refFor="ch" refForName="iconBgRect"/>
+          <dgm:constr type="t" for="ch" forName="iconBgRect"/>
+          <dgm:constr type="ctrX" for="ch" forName="iconBgRect" refType="w" fact="0.5"/>
+          <dgm:constr type="w" for="ch" forName="iconRect" refType="w" fact="0.35"/>
+          <dgm:constr type="h" for="ch" forName="iconRect" refType="w" refFor="ch" refForName="iconRect"/>
+          <dgm:constr type="ctrX" for="ch" forName="iconRect" refType="ctrX" refFor="ch" refForName="iconBgRect"/>
+          <dgm:constr type="ctrY" for="ch" forName="iconRect" refType="ctrY" refFor="ch" refForName="iconBgRect"/>
+          <dgm:constr type="h" for="ch" forName="spaceRect" refType="w" fact="0.19"/>
+          <dgm:constr type="w" for="ch" forName="spaceRect" refType="w"/>
+          <dgm:constr type="l" for="ch" forName="spaceRect"/>
+          <dgm:constr type="t" for="ch" forName="spaceRect" refType="b" refFor="ch" refForName="iconBgRect"/>
+          <dgm:constr type="h" for="ch" forName="textRect" val="20"/>
+          <dgm:constr type="w" for="ch" forName="textRect" refType="w"/>
+          <dgm:constr type="l" for="ch" forName="textRect"/>
+          <dgm:constr type="t" for="ch" forName="textRect" refType="b" refFor="ch" refForName="spaceRect"/>
+        </dgm:constrLst>
+        <dgm:ruleLst>
+          <dgm:rule type="h" val="INF" fact="NaN" max="NaN"/>
+        </dgm:ruleLst>
+        <dgm:layoutNode name="iconBgRect" styleLbl="bgShp">
+          <dgm:alg type="sp"/>
+          <dgm:shape xmlns:r="http://schemas.openxmlformats.org/officeDocument/2006/relationships" type="round2DiagRect" r:blip="">
+            <dgm:adjLst/>
+            <dgm:extLst>
+              <a:ext uri="{B698B0E9-8C71-41B9-8309-B3DCBF30829C}">
+                <dgm1612:spPr xmlns:dgm1612="http://schemas.microsoft.com/office/drawing/2016/12/diagram">
+                  <a:prstGeom prst="round2DiagRect">
+                    <a:avLst>
+                      <a:gd name="adj1" fmla="val 29727"/>
+                      <a:gd name="adj2" fmla="val 0"/>
+                    </a:avLst>
+                  </a:prstGeom>
+                </dgm1612:spPr>
+              </a:ext>
+            </dgm:extLst>
+          </dgm:shape>
+          <dgm:presOf/>
+          <dgm:constrLst/>
+          <dgm:ruleLst/>
+        </dgm:layoutNode>
+        <dgm:layoutNode name="iconRect" styleLbl="node1">
+          <dgm:alg type="sp"/>
+          <dgm:shape xmlns:r="http://schemas.openxmlformats.org/officeDocument/2006/relationships" type="rect" r:blip="" blipPhldr="1">
+            <dgm:adjLst/>
+          </dgm:shape>
+          <dgm:presOf/>
+          <dgm:constrLst/>
+          <dgm:ruleLst/>
+        </dgm:layoutNode>
+        <dgm:layoutNode name="spaceRect">
+          <dgm:alg type="sp"/>
+          <dgm:shape xmlns:r="http://schemas.openxmlformats.org/officeDocument/2006/relationships" r:blip="">
+            <dgm:adjLst/>
+          </dgm:shape>
+          <dgm:presOf/>
+          <dgm:constrLst/>
+          <dgm:ruleLst/>
+        </dgm:layoutNode>
+        <dgm:layoutNode name="textRect" styleLbl="revTx">
+          <dgm:varLst>
+            <dgm:chMax val="1"/>
+            <dgm:chPref val="1"/>
+          </dgm:varLst>
+          <dgm:alg type="tx">
+            <dgm:param type="txAnchorVert" val="t"/>
+          </dgm:alg>
+          <dgm:shape xmlns:r="http://schemas.openxmlformats.org/officeDocument/2006/relationships" type="rect" r:blip="">
+            <dgm:adjLst/>
+          </dgm:shape>
+          <dgm:presOf axis="self" ptType="node"/>
+          <dgm:constrLst>
+            <dgm:constr type="lMarg"/>
+            <dgm:constr type="rMarg"/>
+            <dgm:constr type="tMarg"/>
+            <dgm:constr type="bMarg"/>
+          </dgm:constrLst>
+          <dgm:ruleLst>
+            <dgm:rule type="primFontSz" val="11" fact="NaN" max="NaN"/>
+            <dgm:rule type="h" val="INF" fact="NaN" max="NaN"/>
+          </dgm:ruleLst>
+        </dgm:layoutNode>
+      </dgm:layoutNode>
+      <dgm:forEach name="Name9" axis="followSib" ptType="sibTrans" cnt="1">
+        <dgm:layoutNode name="sibTrans">
+          <dgm:alg type="sp"/>
+          <dgm:shape xmlns:r="http://schemas.openxmlformats.org/officeDocument/2006/relationships" r:blip="">
+            <dgm:adjLst/>
+          </dgm:shape>
+          <dgm:presOf axis="self"/>
+          <dgm:constrLst/>
+          <dgm:ruleLst/>
+        </dgm:layoutNode>
+      </dgm:forEach>
+    </dgm:forEach>
+  </dgm:layoutNode>
+  <dgm:extLst>
+    <a:ext uri="{68A01E43-0DF5-4B5B-8FA6-DAF915123BFB}">
+      <dgm1612:lstStyle xmlns:dgm1612="http://schemas.microsoft.com/office/drawing/2016/12/diagram">
+        <a:lvl1pPr>
+          <a:lnSpc>
+            <a:spcPct val="100000"/>
+          </a:lnSpc>
+          <a:defRPr cap="all"/>
+        </a:lvl1pPr>
+      </dgm1612:lstStyle>
+    </a:ext>
+  </dgm:extLst>
+</dgm:layoutDef>
+</file>
+
+<file path=ppt/diagrams/quickStyle1.xml><?xml version="1.0" encoding="utf-8"?>
+<dgm:styleDef xmlns:dgm="http://schemas.openxmlformats.org/drawingml/2006/diagram" xmlns:a="http://schemas.openxmlformats.org/drawingml/2006/main" uniqueId="urn:microsoft.com/office/officeart/2005/8/quickstyle/simple1">
+  <dgm:title val=""/>
+  <dgm:desc val=""/>
+  <dgm:catLst>
+    <dgm:cat type="simple" pri="10100"/>
+  </dgm:catLst>
+  <dgm:scene3d>
+    <a:camera prst="orthographicFront"/>
+    <a:lightRig rig="threePt" dir="t"/>
+  </dgm:scene3d>
+  <dgm:styleLbl name="node0">
+    <dgm:scene3d>
+      <a:camera prst="orthographicFront"/>
+      <a:lightRig rig="threePt" dir="t"/>
+    </dgm:scene3d>
+    <dgm:sp3d/>
+    <dgm:txPr/>
+    <dgm:style>
+      <a:lnRef idx="2">
+        <a:scrgbClr r="0" g="0" b="0"/>
+      </a:lnRef>
+      <a:fillRef idx="1">
+        <a:scrgbClr r="0" g="0" b="0"/>
+      </a:fillRef>
+      <a:effectRef idx="0">
+        <a:scrgbClr r="0" g="0" b="0"/>
+      </a:effectRef>
+      <a:fontRef idx="minor">
+        <a:schemeClr val="lt1"/>
+      </a:fontRef>
+    </dgm:style>
+  </dgm:styleLbl>
+  <dgm:styleLbl name="lnNode1">
+    <dgm:scene3d>
+      <a:camera prst="orthographicFront"/>
+      <a:lightRig rig="threePt" dir="t"/>
+    </dgm:scene3d>
+    <dgm:sp3d/>
+    <dgm:txPr/>
+    <dgm:style>
+      <a:lnRef idx="2">
+        <a:scrgbClr r="0" g="0" b="0"/>
+      </a:lnRef>
+      <a:fillRef idx="1">
+        <a:scrgbClr r="0" g="0" b="0"/>
+      </a:fillRef>
+      <a:effectRef idx="0">
+        <a:scrgbClr r="0" g="0" b="0"/>
+      </a:effectRef>
+      <a:fontRef idx="minor">
+        <a:schemeClr val="lt1"/>
+      </a:fontRef>
+    </dgm:style>
+  </dgm:styleLbl>
+  <dgm:styleLbl name="vennNode1">
+    <dgm:scene3d>
+      <a:camera prst="orthographicFront"/>
+      <a:lightRig rig="threePt" dir="t"/>
+    </dgm:scene3d>
+    <dgm:sp3d/>
+    <dgm:txPr/>
+    <dgm:style>
+      <a:lnRef idx="2">
+        <a:scrgbClr r="0" g="0" b="0"/>
+      </a:lnRef>
+      <a:fillRef idx="1">
+        <a:scrgbClr r="0" g="0" b="0"/>
+      </a:fillRef>
+      <a:effectRef idx="0">
+        <a:scrgbClr r="0" g="0" b="0"/>
+      </a:effectRef>
+      <a:fontRef idx="minor">
+        <a:schemeClr val="tx1"/>
+      </a:fontRef>
+    </dgm:style>
+  </dgm:styleLbl>
+  <dgm:styleLbl name="alignNode1">
+    <dgm:scene3d>
+      <a:camera prst="orthographicFront"/>
+      <a:lightRig rig="threePt" dir="t"/>
+    </dgm:scene3d>
+    <dgm:sp3d/>
+    <dgm:txPr/>
+    <dgm:style>
+      <a:lnRef idx="2">
+        <a:scrgbClr r="0" g="0" b="0"/>
+      </a:lnRef>
+      <a:fillRef idx="1">
+        <a:scrgbClr r="0" g="0" b="0"/>
+      </a:fillRef>
+      <a:effectRef idx="0">
+        <a:scrgbClr r="0" g="0" b="0"/>
+      </a:effectRef>
+      <a:fontRef idx="minor">
+        <a:schemeClr val="lt1"/>
+      </a:fontRef>
+    </dgm:style>
+  </dgm:styleLbl>
+  <dgm:styleLbl name="node1">
+    <dgm:scene3d>
+      <a:camera prst="orthographicFront"/>
+      <a:lightRig rig="threePt" dir="t"/>
+    </dgm:scene3d>
+    <dgm:sp3d/>
+    <dgm:txPr/>
+    <dgm:style>
+      <a:lnRef idx="2">
+        <a:scrgbClr r="0" g="0" b="0"/>
+      </a:lnRef>
+      <a:fillRef idx="1">
+        <a:scrgbClr r="0" g="0" b="0"/>
+      </a:fillRef>
+      <a:effectRef idx="0">
+        <a:scrgbClr r="0" g="0" b="0"/>
+      </a:effectRef>
+      <a:fontRef idx="minor">
+        <a:schemeClr val="lt1"/>
+      </a:fontRef>
+    </dgm:style>
+  </dgm:styleLbl>
+  <dgm:styleLbl name="node2">
+    <dgm:scene3d>
+      <a:camera prst="orthographicFront"/>
+      <a:lightRig rig="threePt" dir="t"/>
+    </dgm:scene3d>
+    <dgm:sp3d/>
+    <dgm:txPr/>
+    <dgm:style>
+      <a:lnRef idx="2">
+        <a:scrgbClr r="0" g="0" b="0"/>
+      </a:lnRef>
+      <a:fillRef idx="1">
+        <a:scrgbClr r="0" g="0" b="0"/>
+      </a:fillRef>
+      <a:effectRef idx="0">
+        <a:scrgbClr r="0" g="0" b="0"/>
+      </a:effectRef>
+      <a:fontRef idx="minor">
+        <a:schemeClr val="lt1"/>
+      </a:fontRef>
+    </dgm:style>
+  </dgm:styleLbl>
+  <dgm:styleLbl name="node3">
+    <dgm:scene3d>
+      <a:camera prst="orthographicFront"/>
+      <a:lightRig rig="threePt" dir="t"/>
+    </dgm:scene3d>
+    <dgm:sp3d/>
+    <dgm:txPr/>
+    <dgm:style>
+      <a:lnRef idx="2">
+        <a:scrgbClr r="0" g="0" b="0"/>
+      </a:lnRef>
+      <a:fillRef idx="1">
+        <a:scrgbClr r="0" g="0" b="0"/>
+      </a:fillRef>
+      <a:effectRef idx="0">
+        <a:scrgbClr r="0" g="0" b="0"/>
+      </a:effectRef>
+      <a:fontRef idx="minor">
+        <a:schemeClr val="lt1"/>
+      </a:fontRef>
+    </dgm:style>
+  </dgm:styleLbl>
+  <dgm:styleLbl name="node4">
+    <dgm:scene3d>
+      <a:camera prst="orthographicFront"/>
+      <a:lightRig rig="threePt" dir="t"/>
+    </dgm:scene3d>
+    <dgm:sp3d/>
+    <dgm:txPr/>
+    <dgm:style>
+      <a:lnRef idx="2">
+        <a:scrgbClr r="0" g="0" b="0"/>
+      </a:lnRef>
+      <a:fillRef idx="1">
+        <a:scrgbClr r="0" g="0" b="0"/>
+      </a:fillRef>
+      <a:effectRef idx="0">
+        <a:scrgbClr r="0" g="0" b="0"/>
+      </a:effectRef>
+      <a:fontRef idx="minor">
+        <a:schemeClr val="lt1"/>
+      </a:fontRef>
+    </dgm:style>
+  </dgm:styleLbl>
+  <dgm:styleLbl name="fgImgPlace1">
+    <dgm:scene3d>
+      <a:camera prst="orthographicFront"/>
+      <a:lightRig rig="threePt" dir="t"/>
+    </dgm:scene3d>
+    <dgm:sp3d/>
+    <dgm:txPr/>
+    <dgm:style>
+      <a:lnRef idx="2">
+        <a:scrgbClr r="0" g="0" b="0"/>
+      </a:lnRef>
+      <a:fillRef idx="1">
+        <a:scrgbClr r="0" g="0" b="0"/>
+      </a:fillRef>
+      <a:effectRef idx="0">
+        <a:scrgbClr r="0" g="0" b="0"/>
+      </a:effectRef>
+      <a:fontRef idx="minor"/>
+    </dgm:style>
+  </dgm:styleLbl>
+  <dgm:styleLbl name="alignImgPlace1">
+    <dgm:scene3d>
+      <a:camera prst="orthographicFront"/>
+      <a:lightRig rig="threePt" dir="t"/>
+    </dgm:scene3d>
+    <dgm:sp3d/>
+    <dgm:txPr/>
+    <dgm:style>
+      <a:lnRef idx="2">
+        <a:scrgbClr r="0" g="0" b="0"/>
+      </a:lnRef>
+      <a:fillRef idx="1">
+        <a:scrgbClr r="0" g="0" b="0"/>
+      </a:fillRef>
+      <a:effectRef idx="0">
+        <a:scrgbClr r="0" g="0" b="0"/>
+      </a:effectRef>
+      <a:fontRef idx="minor"/>
+    </dgm:style>
+  </dgm:styleLbl>
+  <dgm:styleLbl name="bgImgPlace1">
+    <dgm:scene3d>
+      <a:camera prst="orthographicFront"/>
+      <a:lightRig rig="threePt" dir="t"/>
+    </dgm:scene3d>
+    <dgm:sp3d/>
+    <dgm:txPr/>
+    <dgm:style>
+      <a:lnRef idx="2">
+        <a:scrgbClr r="0" g="0" b="0"/>
+      </a:lnRef>
+      <a:fillRef idx="1">
+        <a:scrgbClr r="0" g="0" b="0"/>
+      </a:fillRef>
+      <a:effectRef idx="0">
+        <a:scrgbClr r="0" g="0" b="0"/>
+      </a:effectRef>
+      <a:fontRef idx="minor"/>
+    </dgm:style>
+  </dgm:styleLbl>
+  <dgm:styleLbl name="sibTrans2D1">
+    <dgm:scene3d>
+      <a:camera prst="orthographicFront"/>
+      <a:lightRig rig="threePt" dir="t"/>
+    </dgm:scene3d>
+    <dgm:sp3d/>
+    <dgm:txPr/>
+    <dgm:style>
+      <a:lnRef idx="0">
+        <a:scrgbClr r="0" g="0" b="0"/>
+      </a:lnRef>
+      <a:fillRef idx="1">
+        <a:scrgbClr r="0" g="0" b="0"/>
+      </a:fillRef>
+      <a:effectRef idx="0">
+        <a:scrgbClr r="0" g="0" b="0"/>
+      </a:effectRef>
+      <a:fontRef idx="minor">
+        <a:schemeClr val="lt1"/>
+      </a:fontRef>
+    </dgm:style>
+  </dgm:styleLbl>
+  <dgm:styleLbl name="fgSibTrans2D1">
+    <dgm:scene3d>
+      <a:camera prst="orthographicFront"/>
+      <a:lightRig rig="threePt" dir="t"/>
+    </dgm:scene3d>
+    <dgm:sp3d/>
+    <dgm:txPr/>
+    <dgm:style>
+      <a:lnRef idx="0">
+        <a:scrgbClr r="0" g="0" b="0"/>
+      </a:lnRef>
+      <a:fillRef idx="1">
+        <a:scrgbClr r="0" g="0" b="0"/>
+      </a:fillRef>
+      <a:effectRef idx="0">
+        <a:scrgbClr r="0" g="0" b="0"/>
+      </a:effectRef>
+      <a:fontRef idx="minor">
+        <a:schemeClr val="lt1"/>
+      </a:fontRef>
+    </dgm:style>
+  </dgm:styleLbl>
+  <dgm:styleLbl name="bgSibTrans2D1">
+    <dgm:scene3d>
+      <a:camera prst="orthographicFront"/>
+      <a:lightRig rig="threePt" dir="t"/>
+    </dgm:scene3d>
+    <dgm:sp3d/>
+    <dgm:txPr/>
+    <dgm:style>
+      <a:lnRef idx="0">
+        <a:scrgbClr r="0" g="0" b="0"/>
+      </a:lnRef>
+      <a:fillRef idx="1">
+        <a:scrgbClr r="0" g="0" b="0"/>
+      </a:fillRef>
+      <a:effectRef idx="0">
+        <a:scrgbClr r="0" g="0" b="0"/>
+      </a:effectRef>
+      <a:fontRef idx="minor">
+        <a:schemeClr val="lt1"/>
+      </a:fontRef>
+    </dgm:style>
+  </dgm:styleLbl>
+  <dgm:styleLbl name="sibTrans1D1">
+    <dgm:scene3d>
+      <a:camera prst="orthographicFront"/>
+      <a:lightRig rig="threePt" dir="t"/>
+    </dgm:scene3d>
+    <dgm:sp3d/>
+    <dgm:txPr/>
+    <dgm:style>
+      <a:lnRef idx="1">
+        <a:scrgbClr r="0" g="0" b="0"/>
+      </a:lnRef>
+      <a:fillRef idx="0">
+        <a:scrgbClr r="0" g="0" b="0"/>
+      </a:fillRef>
+      <a:effectRef idx="0">
+        <a:scrgbClr r="0" g="0" b="0"/>
+      </a:effectRef>
+      <a:fontRef idx="minor"/>
+    </dgm:style>
+  </dgm:styleLbl>
+  <dgm:styleLbl name="callout">
+    <dgm:scene3d>
+      <a:camera prst="orthographicFront"/>
+      <a:lightRig rig="threePt" dir="t"/>
+    </dgm:scene3d>
+    <dgm:sp3d/>
+    <dgm:txPr/>
+    <dgm:style>
+      <a:lnRef idx="2">
+        <a:scrgbClr r="0" g="0" b="0"/>
+      </a:lnRef>
+      <a:fillRef idx="1">
+        <a:scrgbClr r="0" g="0" b="0"/>
+      </a:fillRef>
+      <a:effectRef idx="0">
+        <a:scrgbClr r="0" g="0" b="0"/>
+      </a:effectRef>
+      <a:fontRef idx="minor"/>
+    </dgm:style>
+  </dgm:styleLbl>
+  <dgm:styleLbl name="asst0">
+    <dgm:scene3d>
+      <a:camera prst="orthographicFront"/>
+      <a:lightRig rig="threePt" dir="t"/>
+    </dgm:scene3d>
+    <dgm:sp3d/>
+    <dgm:txPr/>
+    <dgm:style>
+      <a:lnRef idx="2">
+        <a:scrgbClr r="0" g="0" b="0"/>
+      </a:lnRef>
+      <a:fillRef idx="1">
+        <a:scrgbClr r="0" g="0" b="0"/>
+      </a:fillRef>
+      <a:effectRef idx="0">
+        <a:scrgbClr r="0" g="0" b="0"/>
+      </a:effectRef>
+      <a:fontRef idx="minor">
+        <a:schemeClr val="lt1"/>
+      </a:fontRef>
+    </dgm:style>
+  </dgm:styleLbl>
+  <dgm:styleLbl name="asst1">
+    <dgm:scene3d>
+      <a:camera prst="orthographicFront"/>
+      <a:lightRig rig="threePt" dir="t"/>
+    </dgm:scene3d>
+    <dgm:sp3d/>
+    <dgm:txPr/>
+    <dgm:style>
+      <a:lnRef idx="2">
+        <a:scrgbClr r="0" g="0" b="0"/>
+      </a:lnRef>
+      <a:fillRef idx="1">
+        <a:scrgbClr r="0" g="0" b="0"/>
+      </a:fillRef>
+      <a:effectRef idx="0">
+        <a:scrgbClr r="0" g="0" b="0"/>
+      </a:effectRef>
+      <a:fontRef idx="minor">
+        <a:schemeClr val="lt1"/>
+      </a:fontRef>
+    </dgm:style>
+  </dgm:styleLbl>
+  <dgm:styleLbl name="asst2">
+    <dgm:scene3d>
+      <a:camera prst="orthographicFront"/>
+      <a:lightRig rig="threePt" dir="t"/>
+    </dgm:scene3d>
+    <dgm:sp3d/>
+    <dgm:txPr/>
+    <dgm:style>
+      <a:lnRef idx="2">
+        <a:scrgbClr r="0" g="0" b="0"/>
+      </a:lnRef>
+      <a:fillRef idx="1">
+        <a:scrgbClr r="0" g="0" b="0"/>
+      </a:fillRef>
+      <a:effectRef idx="0">
+        <a:scrgbClr r="0" g="0" b="0"/>
+      </a:effectRef>
+      <a:fontRef idx="minor">
+        <a:schemeClr val="lt1"/>
+      </a:fontRef>
+    </dgm:style>
+  </dgm:styleLbl>
+  <dgm:styleLbl name="asst3">
+    <dgm:scene3d>
+      <a:camera prst="orthographicFront"/>
+      <a:lightRig rig="threePt" dir="t"/>
+    </dgm:scene3d>
+    <dgm:sp3d/>
+    <dgm:txPr/>
+    <dgm:style>
+      <a:lnRef idx="2">
+        <a:scrgbClr r="0" g="0" b="0"/>
+      </a:lnRef>
+      <a:fillRef idx="1">
+        <a:scrgbClr r="0" g="0" b="0"/>
+      </a:fillRef>
+      <a:effectRef idx="0">
+        <a:scrgbClr r="0" g="0" b="0"/>
+      </a:effectRef>
+      <a:fontRef idx="minor">
+        <a:schemeClr val="lt1"/>
+      </a:fontRef>
+    </dgm:style>
+  </dgm:styleLbl>
+  <dgm:styleLbl name="asst4">
+    <dgm:scene3d>
+      <a:camera prst="orthographicFront"/>
+      <a:lightRig rig="threePt" dir="t"/>
+    </dgm:scene3d>
+    <dgm:sp3d/>
+    <dgm:txPr/>
+    <dgm:style>
+      <a:lnRef idx="2">
+        <a:scrgbClr r="0" g="0" b="0"/>
+      </a:lnRef>
+      <a:fillRef idx="1">
+        <a:scrgbClr r="0" g="0" b="0"/>
+      </a:fillRef>
+      <a:effectRef idx="0">
+        <a:scrgbClr r="0" g="0" b="0"/>
+      </a:effectRef>
+      <a:fontRef idx="minor">
+        <a:schemeClr val="lt1"/>
+      </a:fontRef>
+    </dgm:style>
+  </dgm:styleLbl>
+  <dgm:styleLbl name="parChTrans2D1">
+    <dgm:scene3d>
+      <a:camera prst="orthographicFront"/>
+      <a:lightRig rig="threePt" dir="t"/>
+    </dgm:scene3d>
+    <dgm:sp3d/>
+    <dgm:txPr/>
+    <dgm:style>
+      <a:lnRef idx="2">
+        <a:scrgbClr r="0" g="0" b="0"/>
+      </a:lnRef>
+      <a:fillRef idx="1">
+        <a:scrgbClr r="0" g="0" b="0"/>
+      </a:fillRef>
+      <a:effectRef idx="0">
+        <a:scrgbClr r="0" g="0" b="0"/>
+      </a:effectRef>
+      <a:fontRef idx="minor">
+        <a:schemeClr val="lt1"/>
+      </a:fontRef>
+    </dgm:style>
+  </dgm:styleLbl>
+  <dgm:styleLbl name="parChTrans2D2">
+    <dgm:scene3d>
+      <a:camera prst="orthographicFront"/>
+      <a:lightRig rig="threePt" dir="t"/>
+    </dgm:scene3d>
+    <dgm:sp3d/>
+    <dgm:txPr/>
+    <dgm:style>
+      <a:lnRef idx="2">
+        <a:scrgbClr r="0" g="0" b="0"/>
+      </a:lnRef>
+      <a:fillRef idx="1">
+        <a:scrgbClr r="0" g="0" b="0"/>
+      </a:fillRef>
+      <a:effectRef idx="0">
+        <a:scrgbClr r="0" g="0" b="0"/>
+      </a:effectRef>
+      <a:fontRef idx="minor">
+        <a:schemeClr val="lt1"/>
+      </a:fontRef>
+    </dgm:style>
+  </dgm:styleLbl>
+  <dgm:styleLbl name="parChTrans2D3">
+    <dgm:scene3d>
+      <a:camera prst="orthographicFront"/>
+      <a:lightRig rig="threePt" dir="t"/>
+    </dgm:scene3d>
+    <dgm:sp3d/>
+    <dgm:txPr/>
+    <dgm:style>
+      <a:lnRef idx="2">
+        <a:scrgbClr r="0" g="0" b="0"/>
+      </a:lnRef>
+      <a:fillRef idx="1">
+        <a:scrgbClr r="0" g="0" b="0"/>
+      </a:fillRef>
+      <a:effectRef idx="0">
+        <a:scrgbClr r="0" g="0" b="0"/>
+      </a:effectRef>
+      <a:fontRef idx="minor">
+        <a:schemeClr val="lt1"/>
+      </a:fontRef>
+    </dgm:style>
+  </dgm:styleLbl>
+  <dgm:styleLbl name="parChTrans2D4">
+    <dgm:scene3d>
+      <a:camera prst="orthographicFront"/>
+      <a:lightRig rig="threePt" dir="t"/>
+    </dgm:scene3d>
+    <dgm:sp3d/>
+    <dgm:txPr/>
+    <dgm:style>
+      <a:lnRef idx="2">
+        <a:scrgbClr r="0" g="0" b="0"/>
+      </a:lnRef>
+      <a:fillRef idx="1">
+        <a:scrgbClr r="0" g="0" b="0"/>
+      </a:fillRef>
+      <a:effectRef idx="0">
+        <a:scrgbClr r="0" g="0" b="0"/>
+      </a:effectRef>
+      <a:fontRef idx="minor">
+        <a:schemeClr val="lt1"/>
+      </a:fontRef>
+    </dgm:style>
+  </dgm:styleLbl>
+  <dgm:styleLbl name="parChTrans1D1">
+    <dgm:scene3d>
+      <a:camera prst="orthographicFront"/>
+      <a:lightRig rig="threePt" dir="t"/>
+    </dgm:scene3d>
+    <dgm:sp3d/>
+    <dgm:txPr/>
+    <dgm:style>
+      <a:lnRef idx="2">
+        <a:scrgbClr r="0" g="0" b="0"/>
+      </a:lnRef>
+      <a:fillRef idx="0">
+        <a:scrgbClr r="0" g="0" b="0"/>
+      </a:fillRef>
+      <a:effectRef idx="0">
+        <a:scrgbClr r="0" g="0" b="0"/>
+      </a:effectRef>
+      <a:fontRef idx="minor"/>
+    </dgm:style>
+  </dgm:styleLbl>
+  <dgm:styleLbl name="parChTrans1D2">
+    <dgm:scene3d>
+      <a:camera prst="orthographicFront"/>
+      <a:lightRig rig="threePt" dir="t"/>
+    </dgm:scene3d>
+    <dgm:sp3d/>
+    <dgm:txPr/>
+    <dgm:style>
+      <a:lnRef idx="2">
+        <a:scrgbClr r="0" g="0" b="0"/>
+      </a:lnRef>
+      <a:fillRef idx="0">
+        <a:scrgbClr r="0" g="0" b="0"/>
+      </a:fillRef>
+      <a:effectRef idx="0">
+        <a:scrgbClr r="0" g="0" b="0"/>
+      </a:effectRef>
+      <a:fontRef idx="minor"/>
+    </dgm:style>
+  </dgm:styleLbl>
+  <dgm:styleLbl name="parChTrans1D3">
+    <dgm:scene3d>
+      <a:camera prst="orthographicFront"/>
+      <a:lightRig rig="threePt" dir="t"/>
+    </dgm:scene3d>
+    <dgm:sp3d/>
+    <dgm:txPr/>
+    <dgm:style>
+      <a:lnRef idx="2">
+        <a:scrgbClr r="0" g="0" b="0"/>
+      </a:lnRef>
+      <a:fillRef idx="0">
+        <a:scrgbClr r="0" g="0" b="0"/>
+      </a:fillRef>
+      <a:effectRef idx="0">
+        <a:scrgbClr r="0" g="0" b="0"/>
+      </a:effectRef>
+      <a:fontRef idx="minor"/>
+    </dgm:style>
+  </dgm:styleLbl>
+  <dgm:styleLbl name="parChTrans1D4">
+    <dgm:scene3d>
+      <a:camera prst="orthographicFront"/>
+      <a:lightRig rig="threePt" dir="t"/>
+    </dgm:scene3d>
+    <dgm:sp3d/>
+    <dgm:txPr/>
+    <dgm:style>
+      <a:lnRef idx="2">
+        <a:scrgbClr r="0" g="0" b="0"/>
+      </a:lnRef>
+      <a:fillRef idx="0">
+        <a:scrgbClr r="0" g="0" b="0"/>
+      </a:fillRef>
+      <a:effectRef idx="0">
+        <a:scrgbClr r="0" g="0" b="0"/>
+      </a:effectRef>
+      <a:fontRef idx="minor"/>
+    </dgm:style>
+  </dgm:styleLbl>
+  <dgm:styleLbl name="fgAcc1">
+    <dgm:scene3d>
+      <a:camera prst="orthographicFront"/>
+      <a:lightRig rig="threePt" dir="t"/>
+    </dgm:scene3d>
+    <dgm:sp3d/>
+    <dgm:txPr/>
+    <dgm:style>
+      <a:lnRef idx="2">
+        <a:scrgbClr r="0" g="0" b="0"/>
+      </a:lnRef>
+      <a:fillRef idx="1">
+        <a:scrgbClr r="0" g="0" b="0"/>
+      </a:fillRef>
+      <a:effectRef idx="0">
+        <a:scrgbClr r="0" g="0" b="0"/>
+      </a:effectRef>
+      <a:fontRef idx="minor"/>
+    </dgm:style>
+  </dgm:styleLbl>
+  <dgm:styleLbl name="conFgAcc1">
+    <dgm:scene3d>
+      <a:camera prst="orthographicFront"/>
+      <a:lightRig rig="threePt" dir="t"/>
+    </dgm:scene3d>
+    <dgm:sp3d/>
+    <dgm:txPr/>
+    <dgm:style>
+      <a:lnRef idx="2">
+        <a:scrgbClr r="0" g="0" b="0"/>
+      </a:lnRef>
+      <a:fillRef idx="1">
+        <a:scrgbClr r="0" g="0" b="0"/>
+      </a:fillRef>
+      <a:effectRef idx="0">
+        <a:scrgbClr r="0" g="0" b="0"/>
+      </a:effectRef>
+      <a:fontRef idx="minor"/>
+    </dgm:style>
+  </dgm:styleLbl>
+  <dgm:styleLbl name="alignAcc1">
+    <dgm:scene3d>
+      <a:camera prst="orthographicFront"/>
+      <a:lightRig rig="threePt" dir="t"/>
+    </dgm:scene3d>
+    <dgm:sp3d/>
+    <dgm:txPr/>
+    <dgm:style>
+      <a:lnRef idx="2">
+        <a:scrgbClr r="0" g="0" b="0"/>
+      </a:lnRef>
+      <a:fillRef idx="1">
+        <a:scrgbClr r="0" g="0" b="0"/>
+      </a:fillRef>
+      <a:effectRef idx="0">
+        <a:scrgbClr r="0" g="0" b="0"/>
+      </a:effectRef>
+      <a:fontRef idx="minor"/>
+    </dgm:style>
+  </dgm:styleLbl>
+  <dgm:styleLbl name="trAlignAcc1">
+    <dgm:scene3d>
+      <a:camera prst="orthographicFront"/>
+      <a:lightRig rig="threePt" dir="t"/>
+    </dgm:scene3d>
+    <dgm:sp3d/>
+    <dgm:txPr/>
+    <dgm:style>
+      <a:lnRef idx="1">
+        <a:scrgbClr r="0" g="0" b="0"/>
+      </a:lnRef>
+      <a:fillRef idx="1">
+        <a:scrgbClr r="0" g="0" b="0"/>
+      </a:fillRef>
+      <a:effectRef idx="0">
+        <a:scrgbClr r="0" g="0" b="0"/>
+      </a:effectRef>
+      <a:fontRef idx="minor"/>
+    </dgm:style>
+  </dgm:styleLbl>
+  <dgm:styleLbl name="bgAcc1">
+    <dgm:scene3d>
+      <a:camera prst="orthographicFront"/>
+      <a:lightRig rig="threePt" dir="t"/>
+    </dgm:scene3d>
+    <dgm:sp3d/>
+    <dgm:txPr/>
+    <dgm:style>
+      <a:lnRef idx="2">
+        <a:scrgbClr r="0" g="0" b="0"/>
+      </a:lnRef>
+      <a:fillRef idx="1">
+        <a:scrgbClr r="0" g="0" b="0"/>
+      </a:fillRef>
+      <a:effectRef idx="0">
+        <a:scrgbClr r="0" g="0" b="0"/>
+      </a:effectRef>
+      <a:fontRef idx="minor"/>
+    </dgm:style>
+  </dgm:styleLbl>
+  <dgm:styleLbl name="solidFgAcc1">
+    <dgm:scene3d>
+      <a:camera prst="orthographicFront"/>
+      <a:lightRig rig="threePt" dir="t"/>
+    </dgm:scene3d>
+    <dgm:sp3d/>
+    <dgm:txPr/>
+    <dgm:style>
+      <a:lnRef idx="2">
+        <a:scrgbClr r="0" g="0" b="0"/>
+      </a:lnRef>
+      <a:fillRef idx="1">
+        <a:scrgbClr r="0" g="0" b="0"/>
+      </a:fillRef>
+      <a:effectRef idx="0">
+        <a:scrgbClr r="0" g="0" b="0"/>
+      </a:effectRef>
+      <a:fontRef idx="minor"/>
+    </dgm:style>
+  </dgm:styleLbl>
+  <dgm:styleLbl name="solidAlignAcc1">
+    <dgm:scene3d>
+      <a:camera prst="orthographicFront"/>
+      <a:lightRig rig="threePt" dir="t"/>
+    </dgm:scene3d>
+    <dgm:sp3d/>
+    <dgm:txPr/>
+    <dgm:style>
+      <a:lnRef idx="2">
+        <a:scrgbClr r="0" g="0" b="0"/>
+      </a:lnRef>
+      <a:fillRef idx="1">
+        <a:scrgbClr r="0" g="0" b="0"/>
+      </a:fillRef>
+      <a:effectRef idx="0">
+        <a:scrgbClr r="0" g="0" b="0"/>
+      </a:effectRef>
+      <a:fontRef idx="minor"/>
+    </dgm:style>
+  </dgm:styleLbl>
+  <dgm:styleLbl name="solidBgAcc1">
+    <dgm:scene3d>
+      <a:camera prst="orthographicFront"/>
+      <a:lightRig rig="threePt" dir="t"/>
+    </dgm:scene3d>
+    <dgm:sp3d/>
+    <dgm:txPr/>
+    <dgm:style>
+      <a:lnRef idx="2">
+        <a:scrgbClr r="0" g="0" b="0"/>
+      </a:lnRef>
+      <a:fillRef idx="1">
+        <a:scrgbClr r="0" g="0" b="0"/>
+      </a:fillRef>
+      <a:effectRef idx="0">
+        <a:scrgbClr r="0" g="0" b="0"/>
+      </a:effectRef>
+      <a:fontRef idx="minor"/>
+    </dgm:style>
+  </dgm:styleLbl>
+  <dgm:styleLbl name="fgAccFollowNode1">
+    <dgm:scene3d>
+      <a:camera prst="orthographicFront"/>
+      <a:lightRig rig="threePt" dir="t"/>
+    </dgm:scene3d>
+    <dgm:sp3d/>
+    <dgm:txPr/>
+    <dgm:style>
+      <a:lnRef idx="2">
+        <a:scrgbClr r="0" g="0" b="0"/>
+      </a:lnRef>
+      <a:fillRef idx="1">
+        <a:scrgbClr r="0" g="0" b="0"/>
+      </a:fillRef>
+      <a:effectRef idx="0">
+        <a:scrgbClr r="0" g="0" b="0"/>
+      </a:effectRef>
+      <a:fontRef idx="minor"/>
+    </dgm:style>
+  </dgm:styleLbl>
+  <dgm:styleLbl name="alignAccFollowNode1">
+    <dgm:scene3d>
+      <a:camera prst="orthographicFront"/>
+      <a:lightRig rig="threePt" dir="t"/>
+    </dgm:scene3d>
+    <dgm:sp3d/>
+    <dgm:txPr/>
+    <dgm:style>
+      <a:lnRef idx="2">
+        <a:scrgbClr r="0" g="0" b="0"/>
+      </a:lnRef>
+      <a:fillRef idx="1">
+        <a:scrgbClr r="0" g="0" b="0"/>
+      </a:fillRef>
+      <a:effectRef idx="0">
+        <a:scrgbClr r="0" g="0" b="0"/>
+      </a:effectRef>
+      <a:fontRef idx="minor"/>
+    </dgm:style>
+  </dgm:styleLbl>
+  <dgm:styleLbl name="bgAccFollowNode1">
+    <dgm:scene3d>
+      <a:camera prst="orthographicFront"/>
+      <a:lightRig rig="threePt" dir="t"/>
+    </dgm:scene3d>
+    <dgm:sp3d/>
+    <dgm:txPr/>
+    <dgm:style>
+      <a:lnRef idx="2">
+        <a:scrgbClr r="0" g="0" b="0"/>
+      </a:lnRef>
+      <a:fillRef idx="1">
+        <a:scrgbClr r="0" g="0" b="0"/>
+      </a:fillRef>
+      <a:effectRef idx="0">
+        <a:scrgbClr r="0" g="0" b="0"/>
+      </a:effectRef>
+      <a:fontRef idx="minor"/>
+    </dgm:style>
+  </dgm:styleLbl>
+  <dgm:styleLbl name="fgAcc0">
+    <dgm:scene3d>
+      <a:camera prst="orthographicFront"/>
+      <a:lightRig rig="threePt" dir="t"/>
+    </dgm:scene3d>
+    <dgm:sp3d/>
+    <dgm:txPr/>
+    <dgm:style>
+      <a:lnRef idx="2">
+        <a:scrgbClr r="0" g="0" b="0"/>
+      </a:lnRef>
+      <a:fillRef idx="1">
+        <a:scrgbClr r="0" g="0" b="0"/>
+      </a:fillRef>
+      <a:effectRef idx="0">
+        <a:scrgbClr r="0" g="0" b="0"/>
+      </a:effectRef>
+      <a:fontRef idx="minor"/>
+    </dgm:style>
+  </dgm:styleLbl>
+  <dgm:styleLbl name="fgAcc2">
+    <dgm:scene3d>
+      <a:camera prst="orthographicFront"/>
+      <a:lightRig rig="threePt" dir="t"/>
+    </dgm:scene3d>
+    <dgm:sp3d/>
+    <dgm:txPr/>
+    <dgm:style>
+      <a:lnRef idx="2">
+        <a:scrgbClr r="0" g="0" b="0"/>
+      </a:lnRef>
+      <a:fillRef idx="1">
+        <a:scrgbClr r="0" g="0" b="0"/>
+      </a:fillRef>
+      <a:effectRef idx="0">
+        <a:scrgbClr r="0" g="0" b="0"/>
+      </a:effectRef>
+      <a:fontRef idx="minor"/>
+    </dgm:style>
+  </dgm:styleLbl>
+  <dgm:styleLbl name="fgAcc3">
+    <dgm:scene3d>
+      <a:camera prst="orthographicFront"/>
+      <a:lightRig rig="threePt" dir="t"/>
+    </dgm:scene3d>
+    <dgm:sp3d/>
+    <dgm:txPr/>
+    <dgm:style>
+      <a:lnRef idx="2">
+        <a:scrgbClr r="0" g="0" b="0"/>
+      </a:lnRef>
+      <a:fillRef idx="1">
+        <a:scrgbClr r="0" g="0" b="0"/>
+      </a:fillRef>
+      <a:effectRef idx="0">
+        <a:scrgbClr r="0" g="0" b="0"/>
+      </a:effectRef>
+      <a:fontRef idx="minor"/>
+    </dgm:style>
+  </dgm:styleLbl>
+  <dgm:styleLbl name="fgAcc4">
+    <dgm:scene3d>
+      <a:camera prst="orthographicFront"/>
+      <a:lightRig rig="threePt" dir="t"/>
+    </dgm:scene3d>
+    <dgm:sp3d/>
+    <dgm:txPr/>
+    <dgm:style>
+      <a:lnRef idx="2">
+        <a:scrgbClr r="0" g="0" b="0"/>
+      </a:lnRef>
+      <a:fillRef idx="1">
+        <a:scrgbClr r="0" g="0" b="0"/>
+      </a:fillRef>
+      <a:effectRef idx="0">
+        <a:scrgbClr r="0" g="0" b="0"/>
+      </a:effectRef>
+      <a:fontRef idx="minor"/>
+    </dgm:style>
+  </dgm:styleLbl>
+  <dgm:styleLbl name="bgShp">
+    <dgm:scene3d>
+      <a:camera prst="orthographicFront"/>
+      <a:lightRig rig="threePt" dir="t"/>
+    </dgm:scene3d>
+    <dgm:sp3d/>
+    <dgm:txPr/>
+    <dgm:style>
+      <a:lnRef idx="0">
+        <a:scrgbClr r="0" g="0" b="0"/>
+      </a:lnRef>
+      <a:fillRef idx="1">
+        <a:scrgbClr r="0" g="0" b="0"/>
+      </a:fillRef>
+      <a:effectRef idx="0">
+        <a:scrgbClr r="0" g="0" b="0"/>
+      </a:effectRef>
+      <a:fontRef idx="minor"/>
+    </dgm:style>
+  </dgm:styleLbl>
+  <dgm:styleLbl name="dkBgShp">
+    <dgm:scene3d>
+      <a:camera prst="orthographicFront"/>
+      <a:lightRig rig="threePt" dir="t"/>
+    </dgm:scene3d>
+    <dgm:sp3d/>
+    <dgm:txPr/>
+    <dgm:style>
+      <a:lnRef idx="0">
+        <a:scrgbClr r="0" g="0" b="0"/>
+      </a:lnRef>
+      <a:fillRef idx="1">
+        <a:scrgbClr r="0" g="0" b="0"/>
+      </a:fillRef>
+      <a:effectRef idx="0">
+        <a:scrgbClr r="0" g="0" b="0"/>
+      </a:effectRef>
+      <a:fontRef idx="minor"/>
+    </dgm:style>
+  </dgm:styleLbl>
+  <dgm:styleLbl name="trBgShp">
+    <dgm:scene3d>
+      <a:camera prst="orthographicFront"/>
+      <a:lightRig rig="threePt" dir="t"/>
+    </dgm:scene3d>
+    <dgm:sp3d/>
+    <dgm:txPr/>
+    <dgm:style>
+      <a:lnRef idx="0">
+        <a:scrgbClr r="0" g="0" b="0"/>
+      </a:lnRef>
+      <a:fillRef idx="1">
+        <a:scrgbClr r="0" g="0" b="0"/>
+      </a:fillRef>
+      <a:effectRef idx="0">
+        <a:scrgbClr r="0" g="0" b="0"/>
+      </a:effectRef>
+      <a:fontRef idx="minor"/>
+    </dgm:style>
+  </dgm:styleLbl>
+  <dgm:styleLbl name="fgShp">
+    <dgm:scene3d>
+      <a:camera prst="orthographicFront"/>
+      <a:lightRig rig="threePt" dir="t"/>
+    </dgm:scene3d>
+    <dgm:sp3d/>
+    <dgm:txPr/>
+    <dgm:style>
+      <a:lnRef idx="2">
+        <a:scrgbClr r="0" g="0" b="0"/>
+      </a:lnRef>
+      <a:fillRef idx="1">
+        <a:scrgbClr r="0" g="0" b="0"/>
+      </a:fillRef>
+      <a:effectRef idx="0">
+        <a:scrgbClr r="0" g="0" b="0"/>
+      </a:effectRef>
+      <a:fontRef idx="minor"/>
+    </dgm:style>
+  </dgm:styleLbl>
+  <dgm:styleLbl name="revTx">
+    <dgm:scene3d>
+      <a:camera prst="orthographicFront"/>
+      <a:lightRig rig="threePt" dir="t"/>
+    </dgm:scene3d>
+    <dgm:sp3d/>
+    <dgm:txPr/>
+    <dgm:style>
+      <a:lnRef idx="0">
+        <a:scrgbClr r="0" g="0" b="0"/>
+      </a:lnRef>
+      <a:fillRef idx="0">
+        <a:scrgbClr r="0" g="0" b="0"/>
+      </a:fillRef>
+      <a:effectRef idx="0">
+        <a:scrgbClr r="0" g="0" b="0"/>
+      </a:effectRef>
+      <a:fontRef idx="minor"/>
+    </dgm:style>
+  </dgm:styleLbl>
+</dgm:styleDef>
 </file>
 
 <file path=ppt/slideLayouts/slideLayout1.xml><?xml version="1.0" encoding="utf-8"?>
@@ -10580,49 +13389,6 @@
           </a:prstGeom>
         </p:spPr>
       </p:pic>
-      <p:sp>
-        <p:nvSpPr>
-          <p:cNvPr id="5" name="TextBox 4">
-            <a:extLst>
-              <a:ext uri="{FF2B5EF4-FFF2-40B4-BE49-F238E27FC236}">
-                <a16:creationId xmlns:a16="http://schemas.microsoft.com/office/drawing/2014/main" id="{449A21CA-F7A6-B847-AEEA-9C48B045FE59}"/>
-              </a:ext>
-            </a:extLst>
-          </p:cNvPr>
-          <p:cNvSpPr txBox="1"/>
-          <p:nvPr/>
-        </p:nvSpPr>
-        <p:spPr>
-          <a:xfrm>
-            <a:off x="6926253" y="6343339"/>
-            <a:ext cx="4468787" cy="369332"/>
-          </a:xfrm>
-          <a:prstGeom prst="rect">
-            <a:avLst/>
-          </a:prstGeom>
-          <a:noFill/>
-        </p:spPr>
-        <p:txBody>
-          <a:bodyPr wrap="none" rtlCol="0">
-            <a:spAutoFit/>
-          </a:bodyPr>
-          <a:lstStyle/>
-          <a:p>
-            <a:pPr algn="r" rtl="1">
-              <a:spcAft>
-                <a:spcPts val="600"/>
-              </a:spcAft>
-            </a:pPr>
-            <a:r>
-              <a:rPr lang="en-US" dirty="0">
-                <a:hlinkClick r:id="rId4"/>
-              </a:rPr>
-              <a:t>http://drbarak.pythonanywhere.com/chatbot</a:t>
-            </a:r>
-            <a:endParaRPr lang="en-IL"/>
-          </a:p>
-        </p:txBody>
-      </p:sp>
     </p:spTree>
     <p:extLst>
       <p:ext uri="{BB962C8B-B14F-4D97-AF65-F5344CB8AC3E}">
@@ -10760,7 +13526,15 @@
             </a:pPr>
             <a:r>
               <a:rPr lang="he-IL" dirty="0"/>
-              <a:t>שליחת הקלט לתרגום בגוגל (תרגומן), וחזרה על סעיף 1</a:t>
+              <a:t>שליחת הקלט לתרגום בגוגל (</a:t>
+            </a:r>
+            <a:r>
+              <a:rPr lang="he-IL" dirty="0" err="1"/>
+              <a:t>תרגומון</a:t>
+            </a:r>
+            <a:r>
+              <a:rPr lang="he-IL" dirty="0"/>
+              <a:t>), וחזרה על סעיף 1</a:t>
             </a:r>
           </a:p>
           <a:p>
@@ -10786,7 +13560,7 @@
             </a:r>
             <a:r>
               <a:rPr lang="he-IL" dirty="0"/>
-              <a:t> "שולים" את התרגום של גוגל וחוזרים עם התרגום על סעיף 1</a:t>
+              <a:t> "שולים" מתוך הפלט של גוגל את התשובה, וחוזרים עם התוכן על סעיף 1</a:t>
             </a:r>
           </a:p>
           <a:p>
@@ -11267,6 +14041,1154 @@
 </p:sld>
 </file>
 
+<file path=ppt/slides/slide15.xml><?xml version="1.0" encoding="utf-8"?>
+<p:sld xmlns:a="http://schemas.openxmlformats.org/drawingml/2006/main" xmlns:r="http://schemas.openxmlformats.org/officeDocument/2006/relationships" xmlns:p="http://schemas.openxmlformats.org/presentationml/2006/main">
+  <p:cSld>
+    <p:bg>
+      <p:bgPr>
+        <a:solidFill>
+          <a:schemeClr val="bg1"/>
+        </a:solidFill>
+        <a:effectLst/>
+      </p:bgPr>
+    </p:bg>
+    <p:spTree>
+      <p:nvGrpSpPr>
+        <p:cNvPr id="1" name=""/>
+        <p:cNvGrpSpPr/>
+        <p:nvPr/>
+      </p:nvGrpSpPr>
+      <p:grpSpPr>
+        <a:xfrm>
+          <a:off x="0" y="0"/>
+          <a:ext cx="0" cy="0"/>
+          <a:chOff x="0" y="0"/>
+          <a:chExt cx="0" cy="0"/>
+        </a:xfrm>
+      </p:grpSpPr>
+      <p:sp>
+        <p:nvSpPr>
+          <p:cNvPr id="9" name="Rectangle 8">
+            <a:extLst>
+              <a:ext uri="{FF2B5EF4-FFF2-40B4-BE49-F238E27FC236}">
+                <a16:creationId xmlns:a16="http://schemas.microsoft.com/office/drawing/2014/main" id="{4117F0C1-BCBB-40C7-99D6-F703E7A4B5F3}"/>
+              </a:ext>
+              <a:ext uri="{C183D7F6-B498-43B3-948B-1728B52AA6E4}">
+                <adec:decorative xmlns:adec="http://schemas.microsoft.com/office/drawing/2017/decorative" val="1"/>
+              </a:ext>
+            </a:extLst>
+          </p:cNvPr>
+          <p:cNvSpPr>
+            <a:spLocks noGrp="1" noRot="1" noChangeAspect="1" noMove="1" noResize="1" noEditPoints="1" noAdjustHandles="1" noChangeArrowheads="1" noChangeShapeType="1" noTextEdit="1"/>
+          </p:cNvSpPr>
+          <p:nvPr>
+            <p:extLst>
+              <p:ext uri="{386F3935-93C4-4BCD-93E2-E3B085C9AB24}">
+                <p16:designElem xmlns:p16="http://schemas.microsoft.com/office/powerpoint/2015/main" val="1"/>
+              </p:ext>
+            </p:extLst>
+          </p:nvPr>
+        </p:nvSpPr>
+        <p:spPr>
+          <a:xfrm>
+            <a:off x="0" y="0"/>
+            <a:ext cx="12192000" cy="6858000"/>
+          </a:xfrm>
+          <a:prstGeom prst="rect">
+            <a:avLst/>
+          </a:prstGeom>
+          <a:ln>
+            <a:noFill/>
+          </a:ln>
+        </p:spPr>
+        <p:style>
+          <a:lnRef idx="2">
+            <a:schemeClr val="accent1">
+              <a:shade val="50000"/>
+            </a:schemeClr>
+          </a:lnRef>
+          <a:fillRef idx="1003">
+            <a:schemeClr val="lt2"/>
+          </a:fillRef>
+          <a:effectRef idx="0">
+            <a:schemeClr val="accent1"/>
+          </a:effectRef>
+          <a:fontRef idx="minor">
+            <a:schemeClr val="lt1"/>
+          </a:fontRef>
+        </p:style>
+        <p:txBody>
+          <a:bodyPr rtlCol="0" anchor="ctr"/>
+          <a:lstStyle/>
+          <a:p>
+            <a:pPr algn="ctr"/>
+            <a:endParaRPr lang="en-US"/>
+          </a:p>
+        </p:txBody>
+      </p:sp>
+      <p:sp>
+        <p:nvSpPr>
+          <p:cNvPr id="11" name="Rectangle 10">
+            <a:extLst>
+              <a:ext uri="{FF2B5EF4-FFF2-40B4-BE49-F238E27FC236}">
+                <a16:creationId xmlns:a16="http://schemas.microsoft.com/office/drawing/2014/main" id="{D1A5D8BC-B41A-4E96-91C4-D60F5162257E}"/>
+              </a:ext>
+              <a:ext uri="{C183D7F6-B498-43B3-948B-1728B52AA6E4}">
+                <adec:decorative xmlns:adec="http://schemas.microsoft.com/office/drawing/2017/decorative" val="1"/>
+              </a:ext>
+            </a:extLst>
+          </p:cNvPr>
+          <p:cNvSpPr>
+            <a:spLocks noGrp="1" noRot="1" noChangeAspect="1" noMove="1" noResize="1" noEditPoints="1" noAdjustHandles="1" noChangeArrowheads="1" noChangeShapeType="1" noTextEdit="1"/>
+          </p:cNvSpPr>
+          <p:nvPr>
+            <p:extLst>
+              <p:ext uri="{386F3935-93C4-4BCD-93E2-E3B085C9AB24}">
+                <p16:designElem xmlns:p16="http://schemas.microsoft.com/office/powerpoint/2015/main" val="1"/>
+              </p:ext>
+            </p:extLst>
+          </p:nvPr>
+        </p:nvSpPr>
+        <p:spPr>
+          <a:xfrm>
+            <a:off x="0" y="0"/>
+            <a:ext cx="12192000" cy="6858000"/>
+          </a:xfrm>
+          <a:prstGeom prst="rect">
+            <a:avLst/>
+          </a:prstGeom>
+          <a:ln>
+            <a:noFill/>
+          </a:ln>
+        </p:spPr>
+        <p:style>
+          <a:lnRef idx="2">
+            <a:schemeClr val="accent1">
+              <a:shade val="50000"/>
+            </a:schemeClr>
+          </a:lnRef>
+          <a:fillRef idx="1003">
+            <a:schemeClr val="dk2"/>
+          </a:fillRef>
+          <a:effectRef idx="0">
+            <a:schemeClr val="accent1"/>
+          </a:effectRef>
+          <a:fontRef idx="minor">
+            <a:schemeClr val="lt1"/>
+          </a:fontRef>
+        </p:style>
+        <p:txBody>
+          <a:bodyPr rtlCol="0" anchor="ctr"/>
+          <a:lstStyle/>
+          <a:p>
+            <a:pPr algn="ctr"/>
+            <a:endParaRPr lang="en-US"/>
+          </a:p>
+        </p:txBody>
+      </p:sp>
+      <p:pic>
+        <p:nvPicPr>
+          <p:cNvPr id="13" name="Picture 12">
+            <a:extLst>
+              <a:ext uri="{FF2B5EF4-FFF2-40B4-BE49-F238E27FC236}">
+                <a16:creationId xmlns:a16="http://schemas.microsoft.com/office/drawing/2014/main" id="{0D321D5F-FA18-4271-9EAA-0BEA14116BB5}"/>
+              </a:ext>
+              <a:ext uri="{C183D7F6-B498-43B3-948B-1728B52AA6E4}">
+                <adec:decorative xmlns:adec="http://schemas.microsoft.com/office/drawing/2017/decorative" val="1"/>
+              </a:ext>
+            </a:extLst>
+          </p:cNvPr>
+          <p:cNvPicPr>
+            <a:picLocks noGrp="1" noRot="1" noChangeAspect="1" noMove="1" noResize="1" noEditPoints="1" noAdjustHandles="1" noChangeArrowheads="1" noChangeShapeType="1" noCrop="1"/>
+          </p:cNvPicPr>
+          <p:nvPr>
+            <p:extLst>
+              <p:ext uri="{386F3935-93C4-4BCD-93E2-E3B085C9AB24}">
+                <p16:designElem xmlns:p16="http://schemas.microsoft.com/office/powerpoint/2015/main" val="1"/>
+              </p:ext>
+            </p:extLst>
+          </p:nvPr>
+        </p:nvPicPr>
+        <p:blipFill>
+          <a:blip r:embed="rId2">
+            <a:extLst>
+              <a:ext uri="{28A0092B-C50C-407E-A947-70E740481C1C}">
+                <a14:useLocalDpi xmlns:a14="http://schemas.microsoft.com/office/drawing/2010/main" val="0"/>
+              </a:ext>
+            </a:extLst>
+          </a:blip>
+          <a:stretch>
+            <a:fillRect/>
+          </a:stretch>
+        </p:blipFill>
+        <p:spPr>
+          <a:xfrm>
+            <a:off x="0" y="0"/>
+            <a:ext cx="12188825" cy="6856214"/>
+          </a:xfrm>
+          <a:prstGeom prst="rect">
+            <a:avLst/>
+          </a:prstGeom>
+        </p:spPr>
+      </p:pic>
+      <p:sp>
+        <p:nvSpPr>
+          <p:cNvPr id="2" name="Title 1">
+            <a:extLst>
+              <a:ext uri="{FF2B5EF4-FFF2-40B4-BE49-F238E27FC236}">
+                <a16:creationId xmlns:a16="http://schemas.microsoft.com/office/drawing/2014/main" id="{FD8961EE-F0BC-F14A-9B83-02BF1954B6DA}"/>
+              </a:ext>
+            </a:extLst>
+          </p:cNvPr>
+          <p:cNvSpPr>
+            <a:spLocks noGrp="1"/>
+          </p:cNvSpPr>
+          <p:nvPr>
+            <p:ph type="title"/>
+          </p:nvPr>
+        </p:nvSpPr>
+        <p:spPr>
+          <a:xfrm>
+            <a:off x="718457" y="531278"/>
+            <a:ext cx="3211517" cy="5292579"/>
+          </a:xfrm>
+        </p:spPr>
+        <p:txBody>
+          <a:bodyPr>
+            <a:normAutofit/>
+          </a:bodyPr>
+          <a:lstStyle/>
+          <a:p>
+            <a:pPr defTabSz="457200" eaLnBrk="1" latinLnBrk="0" hangingPunct="1">
+              <a:spcBef>
+                <a:spcPct val="0"/>
+              </a:spcBef>
+              <a:buNone/>
+            </a:pPr>
+            <a:r>
+              <a:rPr lang="he-IL">
+                <a:solidFill>
+                  <a:srgbClr val="FFFFFF"/>
+                </a:solidFill>
+              </a:rPr>
+              <a:t>התנסות משותפת</a:t>
+            </a:r>
+            <a:endParaRPr lang="en-IL">
+              <a:solidFill>
+                <a:srgbClr val="FFFFFF"/>
+              </a:solidFill>
+            </a:endParaRPr>
+          </a:p>
+        </p:txBody>
+      </p:sp>
+      <p:sp useBgFill="1">
+        <p:nvSpPr>
+          <p:cNvPr id="15" name="Freeform: Shape 14">
+            <a:extLst>
+              <a:ext uri="{FF2B5EF4-FFF2-40B4-BE49-F238E27FC236}">
+                <a16:creationId xmlns:a16="http://schemas.microsoft.com/office/drawing/2014/main" id="{51287385-D3EA-47A8-A127-6061791ADBB6}"/>
+              </a:ext>
+              <a:ext uri="{C183D7F6-B498-43B3-948B-1728B52AA6E4}">
+                <adec:decorative xmlns:adec="http://schemas.microsoft.com/office/drawing/2017/decorative" val="1"/>
+              </a:ext>
+            </a:extLst>
+          </p:cNvPr>
+          <p:cNvSpPr>
+            <a:spLocks noGrp="1" noRot="1" noChangeAspect="1" noMove="1" noResize="1" noEditPoints="1" noAdjustHandles="1" noChangeArrowheads="1" noChangeShapeType="1" noTextEdit="1"/>
+          </p:cNvSpPr>
+          <p:nvPr>
+            <p:extLst>
+              <p:ext uri="{386F3935-93C4-4BCD-93E2-E3B085C9AB24}">
+                <p16:designElem xmlns:p16="http://schemas.microsoft.com/office/powerpoint/2015/main" val="1"/>
+              </p:ext>
+            </p:extLst>
+          </p:nvPr>
+        </p:nvSpPr>
+        <p:spPr bwMode="grayWhite">
+          <a:xfrm>
+            <a:off x="4422108" y="0"/>
+            <a:ext cx="7769892" cy="6858000"/>
+          </a:xfrm>
+          <a:custGeom>
+            <a:avLst/>
+            <a:gdLst>
+              <a:gd name="connsiteX0" fmla="*/ 1779516 w 7769892"/>
+              <a:gd name="connsiteY0" fmla="*/ 0 h 6837536"/>
+              <a:gd name="connsiteX1" fmla="*/ 6454848 w 7769892"/>
+              <a:gd name="connsiteY1" fmla="*/ 0 h 6837536"/>
+              <a:gd name="connsiteX2" fmla="*/ 6511730 w 7769892"/>
+              <a:gd name="connsiteY2" fmla="*/ 37905 h 6837536"/>
+              <a:gd name="connsiteX3" fmla="*/ 7769892 w 7769892"/>
+              <a:gd name="connsiteY3" fmla="*/ 1486041 h 6837536"/>
+              <a:gd name="connsiteX4" fmla="*/ 7769892 w 7769892"/>
+              <a:gd name="connsiteY4" fmla="*/ 5281056 h 6837536"/>
+              <a:gd name="connsiteX5" fmla="*/ 6353475 w 7769892"/>
+              <a:gd name="connsiteY5" fmla="*/ 6837536 h 6837536"/>
+              <a:gd name="connsiteX6" fmla="*/ 1882727 w 7769892"/>
+              <a:gd name="connsiteY6" fmla="*/ 6837536 h 6837536"/>
+              <a:gd name="connsiteX7" fmla="*/ 0 w 7769892"/>
+              <a:gd name="connsiteY7" fmla="*/ 3386463 h 6837536"/>
+              <a:gd name="connsiteX8" fmla="*/ 1655292 w 7769892"/>
+              <a:gd name="connsiteY8" fmla="*/ 88307 h 6837536"/>
+            </a:gdLst>
+            <a:ahLst/>
+            <a:cxnLst>
+              <a:cxn ang="0">
+                <a:pos x="connsiteX0" y="connsiteY0"/>
+              </a:cxn>
+              <a:cxn ang="0">
+                <a:pos x="connsiteX1" y="connsiteY1"/>
+              </a:cxn>
+              <a:cxn ang="0">
+                <a:pos x="connsiteX2" y="connsiteY2"/>
+              </a:cxn>
+              <a:cxn ang="0">
+                <a:pos x="connsiteX3" y="connsiteY3"/>
+              </a:cxn>
+              <a:cxn ang="0">
+                <a:pos x="connsiteX4" y="connsiteY4"/>
+              </a:cxn>
+              <a:cxn ang="0">
+                <a:pos x="connsiteX5" y="connsiteY5"/>
+              </a:cxn>
+              <a:cxn ang="0">
+                <a:pos x="connsiteX6" y="connsiteY6"/>
+              </a:cxn>
+              <a:cxn ang="0">
+                <a:pos x="connsiteX7" y="connsiteY7"/>
+              </a:cxn>
+              <a:cxn ang="0">
+                <a:pos x="connsiteX8" y="connsiteY8"/>
+              </a:cxn>
+            </a:cxnLst>
+            <a:rect l="l" t="t" r="r" b="b"/>
+            <a:pathLst>
+              <a:path w="7769892" h="6837536">
+                <a:moveTo>
+                  <a:pt x="1779516" y="0"/>
+                </a:moveTo>
+                <a:lnTo>
+                  <a:pt x="6454848" y="0"/>
+                </a:lnTo>
+                <a:lnTo>
+                  <a:pt x="6511730" y="37905"/>
+                </a:lnTo>
+                <a:cubicBezTo>
+                  <a:pt x="7036410" y="413592"/>
+                  <a:pt x="7468976" y="909648"/>
+                  <a:pt x="7769892" y="1486041"/>
+                </a:cubicBezTo>
+                <a:cubicBezTo>
+                  <a:pt x="7769892" y="1486041"/>
+                  <a:pt x="7769892" y="1486041"/>
+                  <a:pt x="7769892" y="5281056"/>
+                </a:cubicBezTo>
+                <a:cubicBezTo>
+                  <a:pt x="7437646" y="5916473"/>
+                  <a:pt x="6953850" y="6452788"/>
+                  <a:pt x="6353475" y="6837536"/>
+                </a:cubicBezTo>
+                <a:cubicBezTo>
+                  <a:pt x="6353475" y="6837536"/>
+                  <a:pt x="6353475" y="6837536"/>
+                  <a:pt x="1882727" y="6837536"/>
+                </a:cubicBezTo>
+                <a:cubicBezTo>
+                  <a:pt x="751925" y="6103017"/>
+                  <a:pt x="0" y="4832183"/>
+                  <a:pt x="0" y="3386463"/>
+                </a:cubicBezTo>
+                <a:cubicBezTo>
+                  <a:pt x="0" y="2036566"/>
+                  <a:pt x="651406" y="838748"/>
+                  <a:pt x="1655292" y="88307"/>
+                </a:cubicBezTo>
+                <a:close/>
+              </a:path>
+            </a:pathLst>
+          </a:custGeom>
+          <a:ln w="50800" cap="sq" cmpd="dbl">
+            <a:noFill/>
+            <a:miter lim="800000"/>
+          </a:ln>
+          <a:effectLst>
+            <a:outerShdw blurRad="254000" algn="tl" rotWithShape="0">
+              <a:srgbClr val="000000">
+                <a:alpha val="43000"/>
+              </a:srgbClr>
+            </a:outerShdw>
+          </a:effectLst>
+        </p:spPr>
+        <p:txBody>
+          <a:bodyPr vert="horz" wrap="square" lIns="91440" tIns="45720" rIns="91440" bIns="45720" rtlCol="0" anchor="t">
+            <a:noAutofit/>
+          </a:bodyPr>
+          <a:lstStyle/>
+          <a:p>
+            <a:pPr algn="ctr">
+              <a:spcAft>
+                <a:spcPts val="1000"/>
+              </a:spcAft>
+              <a:buClr>
+                <a:schemeClr val="tx1"/>
+              </a:buClr>
+              <a:buSzPct val="100000"/>
+              <a:buFont typeface="Arial"/>
+              <a:buNone/>
+            </a:pPr>
+            <a:endParaRPr lang="en-US" sz="1600" cap="all"/>
+          </a:p>
+        </p:txBody>
+      </p:sp>
+      <p:graphicFrame>
+        <p:nvGraphicFramePr>
+          <p:cNvPr id="5" name="Content Placeholder 2">
+            <a:extLst>
+              <a:ext uri="{FF2B5EF4-FFF2-40B4-BE49-F238E27FC236}">
+                <a16:creationId xmlns:a16="http://schemas.microsoft.com/office/drawing/2014/main" id="{5F3F717F-9214-4F27-98ED-F7B36090191C}"/>
+              </a:ext>
+            </a:extLst>
+          </p:cNvPr>
+          <p:cNvGraphicFramePr>
+            <a:graphicFrameLocks noGrp="1"/>
+          </p:cNvGraphicFramePr>
+          <p:nvPr>
+            <p:ph idx="1"/>
+            <p:extLst>
+              <p:ext uri="{D42A27DB-BD31-4B8C-83A1-F6EECF244321}">
+                <p14:modId xmlns:p14="http://schemas.microsoft.com/office/powerpoint/2010/main" val="664089385"/>
+              </p:ext>
+            </p:extLst>
+          </p:nvPr>
+        </p:nvGraphicFramePr>
+        <p:xfrm>
+          <a:off x="5617029" y="793820"/>
+          <a:ext cx="5741534" cy="5170983"/>
+        </p:xfrm>
+        <a:graphic>
+          <a:graphicData uri="http://schemas.openxmlformats.org/drawingml/2006/diagram">
+            <dgm:relIds xmlns:dgm="http://schemas.openxmlformats.org/drawingml/2006/diagram" xmlns:r="http://schemas.openxmlformats.org/officeDocument/2006/relationships" r:dm="rId3" r:lo="rId4" r:qs="rId5" r:cs="rId6"/>
+          </a:graphicData>
+        </a:graphic>
+      </p:graphicFrame>
+      <p:sp>
+        <p:nvSpPr>
+          <p:cNvPr id="4" name="TextBox 3">
+            <a:extLst>
+              <a:ext uri="{FF2B5EF4-FFF2-40B4-BE49-F238E27FC236}">
+                <a16:creationId xmlns:a16="http://schemas.microsoft.com/office/drawing/2014/main" id="{CA2C85F6-E272-D34C-B8EB-327D614FA098}"/>
+              </a:ext>
+            </a:extLst>
+          </p:cNvPr>
+          <p:cNvSpPr txBox="1"/>
+          <p:nvPr/>
+        </p:nvSpPr>
+        <p:spPr>
+          <a:xfrm>
+            <a:off x="6429829" y="5596364"/>
+            <a:ext cx="4468787" cy="369332"/>
+          </a:xfrm>
+          <a:prstGeom prst="rect">
+            <a:avLst/>
+          </a:prstGeom>
+          <a:noFill/>
+        </p:spPr>
+        <p:txBody>
+          <a:bodyPr wrap="none" rtlCol="0">
+            <a:spAutoFit/>
+          </a:bodyPr>
+          <a:lstStyle/>
+          <a:p>
+            <a:r>
+              <a:rPr lang="en-US" dirty="0"/>
+              <a:t>http://</a:t>
+            </a:r>
+            <a:r>
+              <a:rPr lang="en-US" dirty="0" err="1"/>
+              <a:t>drbarak.pythonanywhere.com</a:t>
+            </a:r>
+            <a:r>
+              <a:rPr lang="en-US" dirty="0"/>
+              <a:t>/chatbot</a:t>
+            </a:r>
+            <a:endParaRPr lang="en-IL" dirty="0"/>
+          </a:p>
+        </p:txBody>
+      </p:sp>
+    </p:spTree>
+    <p:extLst>
+      <p:ext uri="{BB962C8B-B14F-4D97-AF65-F5344CB8AC3E}">
+        <p14:creationId xmlns:p14="http://schemas.microsoft.com/office/powerpoint/2010/main" val="805936074"/>
+      </p:ext>
+    </p:extLst>
+  </p:cSld>
+  <p:clrMapOvr>
+    <a:overrideClrMapping bg1="lt1" tx1="dk1" bg2="lt2" tx2="dk2" accent1="accent1" accent2="accent2" accent3="accent3" accent4="accent4" accent5="accent5" accent6="accent6" hlink="hlink" folHlink="folHlink"/>
+  </p:clrMapOvr>
+</p:sld>
+</file>
+
+<file path=ppt/slides/slide16.xml><?xml version="1.0" encoding="utf-8"?>
+<p:sld xmlns:a="http://schemas.openxmlformats.org/drawingml/2006/main" xmlns:r="http://schemas.openxmlformats.org/officeDocument/2006/relationships" xmlns:p="http://schemas.openxmlformats.org/presentationml/2006/main">
+  <p:cSld>
+    <p:spTree>
+      <p:nvGrpSpPr>
+        <p:cNvPr id="1" name=""/>
+        <p:cNvGrpSpPr/>
+        <p:nvPr/>
+      </p:nvGrpSpPr>
+      <p:grpSpPr>
+        <a:xfrm>
+          <a:off x="0" y="0"/>
+          <a:ext cx="0" cy="0"/>
+          <a:chOff x="0" y="0"/>
+          <a:chExt cx="0" cy="0"/>
+        </a:xfrm>
+      </p:grpSpPr>
+      <p:sp>
+        <p:nvSpPr>
+          <p:cNvPr id="7" name="Rectangle 6">
+            <a:extLst>
+              <a:ext uri="{FF2B5EF4-FFF2-40B4-BE49-F238E27FC236}">
+                <a16:creationId xmlns:a16="http://schemas.microsoft.com/office/drawing/2014/main" id="{86692395-A9D4-9444-A2FA-613567A2A1B3}"/>
+              </a:ext>
+            </a:extLst>
+          </p:cNvPr>
+          <p:cNvSpPr/>
+          <p:nvPr/>
+        </p:nvSpPr>
+        <p:spPr>
+          <a:xfrm>
+            <a:off x="333828" y="1008743"/>
+            <a:ext cx="580572" cy="3817257"/>
+          </a:xfrm>
+          <a:prstGeom prst="rect">
+            <a:avLst/>
+          </a:prstGeom>
+        </p:spPr>
+        <p:style>
+          <a:lnRef idx="2">
+            <a:schemeClr val="accent1">
+              <a:shade val="50000"/>
+            </a:schemeClr>
+          </a:lnRef>
+          <a:fillRef idx="1">
+            <a:schemeClr val="accent1"/>
+          </a:fillRef>
+          <a:effectRef idx="0">
+            <a:schemeClr val="accent1"/>
+          </a:effectRef>
+          <a:fontRef idx="minor">
+            <a:schemeClr val="lt1"/>
+          </a:fontRef>
+        </p:style>
+        <p:txBody>
+          <a:bodyPr rtlCol="0" anchor="ctr"/>
+          <a:lstStyle/>
+          <a:p>
+            <a:pPr algn="ctr"/>
+            <a:r>
+              <a:rPr lang="en-IL" dirty="0"/>
+              <a:t>API</a:t>
+            </a:r>
+          </a:p>
+        </p:txBody>
+      </p:sp>
+      <p:sp>
+        <p:nvSpPr>
+          <p:cNvPr id="8" name="Rounded Rectangle 7">
+            <a:extLst>
+              <a:ext uri="{FF2B5EF4-FFF2-40B4-BE49-F238E27FC236}">
+                <a16:creationId xmlns:a16="http://schemas.microsoft.com/office/drawing/2014/main" id="{7E0940D1-E7CC-A74C-90D9-5B814C990C8D}"/>
+              </a:ext>
+            </a:extLst>
+          </p:cNvPr>
+          <p:cNvSpPr/>
+          <p:nvPr/>
+        </p:nvSpPr>
+        <p:spPr>
+          <a:xfrm>
+            <a:off x="10435771" y="1139372"/>
+            <a:ext cx="841829" cy="3766457"/>
+          </a:xfrm>
+          <a:prstGeom prst="roundRect">
+            <a:avLst/>
+          </a:prstGeom>
+        </p:spPr>
+        <p:style>
+          <a:lnRef idx="2">
+            <a:schemeClr val="accent1">
+              <a:shade val="50000"/>
+            </a:schemeClr>
+          </a:lnRef>
+          <a:fillRef idx="1">
+            <a:schemeClr val="accent1"/>
+          </a:fillRef>
+          <a:effectRef idx="0">
+            <a:schemeClr val="accent1"/>
+          </a:effectRef>
+          <a:fontRef idx="minor">
+            <a:schemeClr val="lt1"/>
+          </a:fontRef>
+        </p:style>
+        <p:txBody>
+          <a:bodyPr rtlCol="0" anchor="ctr"/>
+          <a:lstStyle/>
+          <a:p>
+            <a:pPr algn="ctr"/>
+            <a:r>
+              <a:rPr lang="en-IL" dirty="0"/>
+              <a:t>HTML</a:t>
+            </a:r>
+          </a:p>
+        </p:txBody>
+      </p:sp>
+      <p:sp>
+        <p:nvSpPr>
+          <p:cNvPr id="9" name="Rectangle 8">
+            <a:extLst>
+              <a:ext uri="{FF2B5EF4-FFF2-40B4-BE49-F238E27FC236}">
+                <a16:creationId xmlns:a16="http://schemas.microsoft.com/office/drawing/2014/main" id="{2A8E9D3D-78BC-2948-BA44-C97D24BA5DFA}"/>
+              </a:ext>
+            </a:extLst>
+          </p:cNvPr>
+          <p:cNvSpPr/>
+          <p:nvPr/>
+        </p:nvSpPr>
+        <p:spPr>
+          <a:xfrm>
+            <a:off x="9361714" y="827315"/>
+            <a:ext cx="537029" cy="4339771"/>
+          </a:xfrm>
+          <a:prstGeom prst="rect">
+            <a:avLst/>
+          </a:prstGeom>
+        </p:spPr>
+        <p:style>
+          <a:lnRef idx="2">
+            <a:schemeClr val="accent1">
+              <a:shade val="50000"/>
+            </a:schemeClr>
+          </a:lnRef>
+          <a:fillRef idx="1">
+            <a:schemeClr val="accent1"/>
+          </a:fillRef>
+          <a:effectRef idx="0">
+            <a:schemeClr val="accent1"/>
+          </a:effectRef>
+          <a:fontRef idx="minor">
+            <a:schemeClr val="lt1"/>
+          </a:fontRef>
+        </p:style>
+        <p:txBody>
+          <a:bodyPr rtlCol="0" anchor="ctr"/>
+          <a:lstStyle/>
+          <a:p>
+            <a:pPr algn="ctr"/>
+            <a:r>
+              <a:rPr lang="en-IL" dirty="0"/>
+              <a:t>FLASK</a:t>
+            </a:r>
+          </a:p>
+        </p:txBody>
+      </p:sp>
+      <p:sp>
+        <p:nvSpPr>
+          <p:cNvPr id="11" name="Rectangle 10">
+            <a:extLst>
+              <a:ext uri="{FF2B5EF4-FFF2-40B4-BE49-F238E27FC236}">
+                <a16:creationId xmlns:a16="http://schemas.microsoft.com/office/drawing/2014/main" id="{AA760633-E800-0C4E-95FE-9241A741BC74}"/>
+              </a:ext>
+            </a:extLst>
+          </p:cNvPr>
+          <p:cNvSpPr/>
+          <p:nvPr/>
+        </p:nvSpPr>
+        <p:spPr>
+          <a:xfrm>
+            <a:off x="1393371" y="587827"/>
+            <a:ext cx="1328061" cy="5116287"/>
+          </a:xfrm>
+          <a:prstGeom prst="rect">
+            <a:avLst/>
+          </a:prstGeom>
+        </p:spPr>
+        <p:style>
+          <a:lnRef idx="2">
+            <a:schemeClr val="accent1">
+              <a:shade val="50000"/>
+            </a:schemeClr>
+          </a:lnRef>
+          <a:fillRef idx="1">
+            <a:schemeClr val="accent1"/>
+          </a:fillRef>
+          <a:effectRef idx="0">
+            <a:schemeClr val="accent1"/>
+          </a:effectRef>
+          <a:fontRef idx="minor">
+            <a:schemeClr val="lt1"/>
+          </a:fontRef>
+        </p:style>
+        <p:txBody>
+          <a:bodyPr rtlCol="0" anchor="ctr"/>
+          <a:lstStyle/>
+          <a:p>
+            <a:pPr marL="0" algn="ctr" defTabSz="457200" rtl="1" eaLnBrk="1" latinLnBrk="0" hangingPunct="1"/>
+            <a:endParaRPr lang="en-IL"/>
+          </a:p>
+        </p:txBody>
+      </p:sp>
+      <p:cxnSp>
+        <p:nvCxnSpPr>
+          <p:cNvPr id="14" name="Straight Arrow Connector 13">
+            <a:extLst>
+              <a:ext uri="{FF2B5EF4-FFF2-40B4-BE49-F238E27FC236}">
+                <a16:creationId xmlns:a16="http://schemas.microsoft.com/office/drawing/2014/main" id="{ECA89272-AC3B-524E-A2AC-B85F7F3C0AE9}"/>
+              </a:ext>
+            </a:extLst>
+          </p:cNvPr>
+          <p:cNvCxnSpPr>
+            <a:stCxn id="6" idx="2"/>
+          </p:cNvCxnSpPr>
+          <p:nvPr/>
+        </p:nvCxnSpPr>
+        <p:spPr>
+          <a:xfrm flipH="1" flipV="1">
+            <a:off x="1687282" y="3338284"/>
+            <a:ext cx="2794001" cy="1"/>
+          </a:xfrm>
+          <a:prstGeom prst="straightConnector1">
+            <a:avLst/>
+          </a:prstGeom>
+          <a:ln>
+            <a:tailEnd type="triangle"/>
+          </a:ln>
+        </p:spPr>
+        <p:style>
+          <a:lnRef idx="1">
+            <a:schemeClr val="accent1"/>
+          </a:lnRef>
+          <a:fillRef idx="0">
+            <a:schemeClr val="accent1"/>
+          </a:fillRef>
+          <a:effectRef idx="0">
+            <a:schemeClr val="accent1"/>
+          </a:effectRef>
+          <a:fontRef idx="minor">
+            <a:schemeClr val="tx1"/>
+          </a:fontRef>
+        </p:style>
+      </p:cxnSp>
+      <p:cxnSp>
+        <p:nvCxnSpPr>
+          <p:cNvPr id="16" name="Straight Connector 15">
+            <a:extLst>
+              <a:ext uri="{FF2B5EF4-FFF2-40B4-BE49-F238E27FC236}">
+                <a16:creationId xmlns:a16="http://schemas.microsoft.com/office/drawing/2014/main" id="{9D25FFD5-27EC-D54D-B212-35B06043E15C}"/>
+              </a:ext>
+            </a:extLst>
+          </p:cNvPr>
+          <p:cNvCxnSpPr>
+            <a:stCxn id="5" idx="2"/>
+          </p:cNvCxnSpPr>
+          <p:nvPr/>
+        </p:nvCxnSpPr>
+        <p:spPr>
+          <a:xfrm flipH="1" flipV="1">
+            <a:off x="2478314" y="4510314"/>
+            <a:ext cx="1857828" cy="979715"/>
+          </a:xfrm>
+          <a:prstGeom prst="line">
+            <a:avLst/>
+          </a:prstGeom>
+        </p:spPr>
+        <p:style>
+          <a:lnRef idx="1">
+            <a:schemeClr val="accent1"/>
+          </a:lnRef>
+          <a:fillRef idx="0">
+            <a:schemeClr val="accent1"/>
+          </a:fillRef>
+          <a:effectRef idx="0">
+            <a:schemeClr val="accent1"/>
+          </a:effectRef>
+          <a:fontRef idx="minor">
+            <a:schemeClr val="tx1"/>
+          </a:fontRef>
+        </p:style>
+      </p:cxnSp>
+      <p:grpSp>
+        <p:nvGrpSpPr>
+          <p:cNvPr id="18" name="Group 17">
+            <a:extLst>
+              <a:ext uri="{FF2B5EF4-FFF2-40B4-BE49-F238E27FC236}">
+                <a16:creationId xmlns:a16="http://schemas.microsoft.com/office/drawing/2014/main" id="{B939A804-C0CA-CF4E-AFB4-724CDDBE5827}"/>
+              </a:ext>
+            </a:extLst>
+          </p:cNvPr>
+          <p:cNvGrpSpPr/>
+          <p:nvPr/>
+        </p:nvGrpSpPr>
+        <p:grpSpPr>
+          <a:xfrm>
+            <a:off x="3915226" y="388257"/>
+            <a:ext cx="4913085" cy="6081486"/>
+            <a:chOff x="4158344" y="348342"/>
+            <a:chExt cx="4913085" cy="6081486"/>
+          </a:xfrm>
+        </p:grpSpPr>
+        <p:sp>
+          <p:nvSpPr>
+            <p:cNvPr id="4" name="Oval 3">
+              <a:extLst>
+                <a:ext uri="{FF2B5EF4-FFF2-40B4-BE49-F238E27FC236}">
+                  <a16:creationId xmlns:a16="http://schemas.microsoft.com/office/drawing/2014/main" id="{8EF08280-DBA3-5949-A790-01CC58BB88BB}"/>
+                </a:ext>
+              </a:extLst>
+            </p:cNvPr>
+            <p:cNvSpPr/>
+            <p:nvPr/>
+          </p:nvSpPr>
+          <p:spPr>
+            <a:xfrm>
+              <a:off x="4695372" y="587827"/>
+              <a:ext cx="1901370" cy="1480457"/>
+            </a:xfrm>
+            <a:prstGeom prst="ellipse">
+              <a:avLst/>
+            </a:prstGeom>
+          </p:spPr>
+          <p:style>
+            <a:lnRef idx="2">
+              <a:schemeClr val="accent1">
+                <a:shade val="50000"/>
+              </a:schemeClr>
+            </a:lnRef>
+            <a:fillRef idx="1">
+              <a:schemeClr val="accent1"/>
+            </a:fillRef>
+            <a:effectRef idx="0">
+              <a:schemeClr val="accent1"/>
+            </a:effectRef>
+            <a:fontRef idx="minor">
+              <a:schemeClr val="lt1"/>
+            </a:fontRef>
+          </p:style>
+          <p:txBody>
+            <a:bodyPr rtlCol="0" anchor="ctr"/>
+            <a:lstStyle/>
+            <a:p>
+              <a:pPr marL="0" algn="ctr" defTabSz="457200" rtl="1" eaLnBrk="1" latinLnBrk="0" hangingPunct="1"/>
+              <a:r>
+                <a:rPr lang="he-IL" dirty="0"/>
+                <a:t>זמן</a:t>
+              </a:r>
+              <a:endParaRPr lang="en-IL" dirty="0"/>
+            </a:p>
+          </p:txBody>
+        </p:sp>
+        <p:sp>
+          <p:nvSpPr>
+            <p:cNvPr id="5" name="Oval 4">
+              <a:extLst>
+                <a:ext uri="{FF2B5EF4-FFF2-40B4-BE49-F238E27FC236}">
+                  <a16:creationId xmlns:a16="http://schemas.microsoft.com/office/drawing/2014/main" id="{1E216386-A46B-954A-B452-656D3069D042}"/>
+                </a:ext>
+              </a:extLst>
+            </p:cNvPr>
+            <p:cNvSpPr/>
+            <p:nvPr/>
+          </p:nvSpPr>
+          <p:spPr>
+            <a:xfrm>
+              <a:off x="4579260" y="4470399"/>
+              <a:ext cx="1901370" cy="1959429"/>
+            </a:xfrm>
+            <a:prstGeom prst="ellipse">
+              <a:avLst/>
+            </a:prstGeom>
+          </p:spPr>
+          <p:style>
+            <a:lnRef idx="2">
+              <a:schemeClr val="accent1">
+                <a:shade val="50000"/>
+              </a:schemeClr>
+            </a:lnRef>
+            <a:fillRef idx="1">
+              <a:schemeClr val="accent1"/>
+            </a:fillRef>
+            <a:effectRef idx="0">
+              <a:schemeClr val="accent1"/>
+            </a:effectRef>
+            <a:fontRef idx="minor">
+              <a:schemeClr val="lt1"/>
+            </a:fontRef>
+          </p:style>
+          <p:txBody>
+            <a:bodyPr rtlCol="0" anchor="ctr"/>
+            <a:lstStyle/>
+            <a:p>
+              <a:pPr marL="0" algn="ctr" defTabSz="457200" rtl="1" eaLnBrk="1" latinLnBrk="0" hangingPunct="1"/>
+              <a:r>
+                <a:rPr lang="he-IL" dirty="0"/>
+                <a:t>רכיב</a:t>
+              </a:r>
+              <a:endParaRPr lang="en-IL" dirty="0"/>
+            </a:p>
+          </p:txBody>
+        </p:sp>
+        <p:sp>
+          <p:nvSpPr>
+            <p:cNvPr id="6" name="Oval 5">
+              <a:extLst>
+                <a:ext uri="{FF2B5EF4-FFF2-40B4-BE49-F238E27FC236}">
+                  <a16:creationId xmlns:a16="http://schemas.microsoft.com/office/drawing/2014/main" id="{68B5F118-77B0-B94D-AB5F-C210233CE732}"/>
+                </a:ext>
+              </a:extLst>
+            </p:cNvPr>
+            <p:cNvSpPr/>
+            <p:nvPr/>
+          </p:nvSpPr>
+          <p:spPr>
+            <a:xfrm>
+              <a:off x="4724401" y="2420255"/>
+              <a:ext cx="1756229" cy="1756229"/>
+            </a:xfrm>
+            <a:prstGeom prst="ellipse">
+              <a:avLst/>
+            </a:prstGeom>
+          </p:spPr>
+          <p:style>
+            <a:lnRef idx="2">
+              <a:schemeClr val="accent1">
+                <a:shade val="50000"/>
+              </a:schemeClr>
+            </a:lnRef>
+            <a:fillRef idx="1">
+              <a:schemeClr val="accent1"/>
+            </a:fillRef>
+            <a:effectRef idx="0">
+              <a:schemeClr val="accent1"/>
+            </a:effectRef>
+            <a:fontRef idx="minor">
+              <a:schemeClr val="lt1"/>
+            </a:fontRef>
+          </p:style>
+          <p:txBody>
+            <a:bodyPr rtlCol="0" anchor="ctr"/>
+            <a:lstStyle/>
+            <a:p>
+              <a:pPr marL="0" algn="ctr" defTabSz="457200" rtl="1" eaLnBrk="1" latinLnBrk="0" hangingPunct="1"/>
+              <a:r>
+                <a:rPr lang="he-IL" dirty="0"/>
+                <a:t>מיקום</a:t>
+              </a:r>
+              <a:endParaRPr lang="en-IL" dirty="0"/>
+            </a:p>
+          </p:txBody>
+        </p:sp>
+        <p:sp>
+          <p:nvSpPr>
+            <p:cNvPr id="10" name="Rectangle 9">
+              <a:extLst>
+                <a:ext uri="{FF2B5EF4-FFF2-40B4-BE49-F238E27FC236}">
+                  <a16:creationId xmlns:a16="http://schemas.microsoft.com/office/drawing/2014/main" id="{2D407D01-41CA-A043-9709-8C196C01A12F}"/>
+                </a:ext>
+              </a:extLst>
+            </p:cNvPr>
+            <p:cNvSpPr/>
+            <p:nvPr/>
+          </p:nvSpPr>
+          <p:spPr>
+            <a:xfrm>
+              <a:off x="7220854" y="348342"/>
+              <a:ext cx="725716" cy="841828"/>
+            </a:xfrm>
+            <a:prstGeom prst="rect">
+              <a:avLst/>
+            </a:prstGeom>
+          </p:spPr>
+          <p:style>
+            <a:lnRef idx="2">
+              <a:schemeClr val="accent1">
+                <a:shade val="50000"/>
+              </a:schemeClr>
+            </a:lnRef>
+            <a:fillRef idx="1">
+              <a:schemeClr val="accent1"/>
+            </a:fillRef>
+            <a:effectRef idx="0">
+              <a:schemeClr val="accent1"/>
+            </a:effectRef>
+            <a:fontRef idx="minor">
+              <a:schemeClr val="lt1"/>
+            </a:fontRef>
+          </p:style>
+          <p:txBody>
+            <a:bodyPr rtlCol="0" anchor="ctr"/>
+            <a:lstStyle/>
+            <a:p>
+              <a:pPr algn="ctr"/>
+              <a:r>
+                <a:rPr lang="en-IL" dirty="0"/>
+                <a:t>SPACY</a:t>
+              </a:r>
+            </a:p>
+          </p:txBody>
+        </p:sp>
+        <p:sp>
+          <p:nvSpPr>
+            <p:cNvPr id="12" name="Oval 11">
+              <a:extLst>
+                <a:ext uri="{FF2B5EF4-FFF2-40B4-BE49-F238E27FC236}">
+                  <a16:creationId xmlns:a16="http://schemas.microsoft.com/office/drawing/2014/main" id="{82240948-B5B3-5349-959C-BF45D01D2B4F}"/>
+                </a:ext>
+              </a:extLst>
+            </p:cNvPr>
+            <p:cNvSpPr/>
+            <p:nvPr/>
+          </p:nvSpPr>
+          <p:spPr>
+            <a:xfrm>
+              <a:off x="4158344" y="1204684"/>
+              <a:ext cx="1001486" cy="907142"/>
+            </a:xfrm>
+            <a:prstGeom prst="ellipse">
+              <a:avLst/>
+            </a:prstGeom>
+          </p:spPr>
+          <p:style>
+            <a:lnRef idx="2">
+              <a:schemeClr val="accent1">
+                <a:shade val="50000"/>
+              </a:schemeClr>
+            </a:lnRef>
+            <a:fillRef idx="1">
+              <a:schemeClr val="accent1"/>
+            </a:fillRef>
+            <a:effectRef idx="0">
+              <a:schemeClr val="accent1"/>
+            </a:effectRef>
+            <a:fontRef idx="minor">
+              <a:schemeClr val="lt1"/>
+            </a:fontRef>
+          </p:style>
+          <p:txBody>
+            <a:bodyPr rtlCol="0" anchor="ctr"/>
+            <a:lstStyle/>
+            <a:p>
+              <a:pPr marL="0" algn="ctr" defTabSz="457200" rtl="1" eaLnBrk="1" latinLnBrk="0" hangingPunct="1"/>
+              <a:r>
+                <a:rPr lang="he-IL" dirty="0"/>
+                <a:t>מספר ימים</a:t>
+              </a:r>
+              <a:endParaRPr lang="en-IL" dirty="0"/>
+            </a:p>
+          </p:txBody>
+        </p:sp>
+        <p:sp>
+          <p:nvSpPr>
+            <p:cNvPr id="17" name="Rectangle 16">
+              <a:extLst>
+                <a:ext uri="{FF2B5EF4-FFF2-40B4-BE49-F238E27FC236}">
+                  <a16:creationId xmlns:a16="http://schemas.microsoft.com/office/drawing/2014/main" id="{BA60D320-C857-024B-A036-4750FB26F5F6}"/>
+                </a:ext>
+              </a:extLst>
+            </p:cNvPr>
+            <p:cNvSpPr/>
+            <p:nvPr/>
+          </p:nvSpPr>
+          <p:spPr>
+            <a:xfrm>
+              <a:off x="8570682" y="711200"/>
+              <a:ext cx="500747" cy="4738913"/>
+            </a:xfrm>
+            <a:prstGeom prst="rect">
+              <a:avLst/>
+            </a:prstGeom>
+          </p:spPr>
+          <p:style>
+            <a:lnRef idx="2">
+              <a:schemeClr val="accent1">
+                <a:shade val="50000"/>
+              </a:schemeClr>
+            </a:lnRef>
+            <a:fillRef idx="1">
+              <a:schemeClr val="accent1"/>
+            </a:fillRef>
+            <a:effectRef idx="0">
+              <a:schemeClr val="accent1"/>
+            </a:effectRef>
+            <a:fontRef idx="minor">
+              <a:schemeClr val="lt1"/>
+            </a:fontRef>
+          </p:style>
+          <p:txBody>
+            <a:bodyPr rtlCol="0" anchor="ctr"/>
+            <a:lstStyle/>
+            <a:p>
+              <a:pPr algn="ctr"/>
+              <a:r>
+                <a:rPr lang="he-IL" dirty="0" err="1"/>
+                <a:t>P</a:t>
+              </a:r>
+              <a:r>
+                <a:rPr lang="en-US" dirty="0"/>
+                <a:t>y</a:t>
+              </a:r>
+              <a:endParaRPr lang="en-IL" dirty="0"/>
+            </a:p>
+          </p:txBody>
+        </p:sp>
+      </p:grpSp>
+      <p:sp>
+        <p:nvSpPr>
+          <p:cNvPr id="20" name="TextBox 19">
+            <a:extLst>
+              <a:ext uri="{FF2B5EF4-FFF2-40B4-BE49-F238E27FC236}">
+                <a16:creationId xmlns:a16="http://schemas.microsoft.com/office/drawing/2014/main" id="{453BA04A-D568-5E4C-BA96-587BABF28EF3}"/>
+              </a:ext>
+            </a:extLst>
+          </p:cNvPr>
+          <p:cNvSpPr txBox="1"/>
+          <p:nvPr/>
+        </p:nvSpPr>
+        <p:spPr>
+          <a:xfrm>
+            <a:off x="7901357" y="258410"/>
+            <a:ext cx="852413" cy="369332"/>
+          </a:xfrm>
+          <a:prstGeom prst="rect">
+            <a:avLst/>
+          </a:prstGeom>
+          <a:noFill/>
+        </p:spPr>
+        <p:txBody>
+          <a:bodyPr wrap="none" rtlCol="0">
+            <a:spAutoFit/>
+          </a:bodyPr>
+          <a:lstStyle/>
+          <a:p>
+            <a:r>
+              <a:rPr lang="en-IL" dirty="0"/>
+              <a:t>Python</a:t>
+            </a:r>
+          </a:p>
+        </p:txBody>
+      </p:sp>
+    </p:spTree>
+    <p:extLst>
+      <p:ext uri="{BB962C8B-B14F-4D97-AF65-F5344CB8AC3E}">
+        <p14:creationId xmlns:p14="http://schemas.microsoft.com/office/powerpoint/2010/main" val="1533401673"/>
+      </p:ext>
+    </p:extLst>
+  </p:cSld>
+  <p:clrMapOvr>
+    <a:masterClrMapping/>
+  </p:clrMapOvr>
+</p:sld>
+</file>
+
 <file path=ppt/slides/slide2.xml><?xml version="1.0" encoding="utf-8"?>
 <p:sld xmlns:a="http://schemas.openxmlformats.org/drawingml/2006/main" xmlns:r="http://schemas.openxmlformats.org/officeDocument/2006/relationships" xmlns:p="http://schemas.openxmlformats.org/presentationml/2006/main">
   <p:cSld>
@@ -11471,7 +15393,7 @@
         <p:spPr/>
         <p:txBody>
           <a:bodyPr>
-            <a:normAutofit fontScale="92500" lnSpcReduction="20000"/>
+            <a:normAutofit fontScale="70000" lnSpcReduction="20000"/>
           </a:bodyPr>
           <a:lstStyle/>
           <a:p>
@@ -11536,32 +15458,32 @@
               <a:buNone/>
             </a:pPr>
             <a:r>
-              <a:rPr lang="he-IL" sz="2600" dirty="0"/>
+              <a:rPr lang="he-IL" sz="2900" dirty="0"/>
               <a:t>צ'אט-</a:t>
             </a:r>
             <a:r>
-              <a:rPr lang="he-IL" sz="2600" dirty="0" err="1"/>
+              <a:rPr lang="he-IL" sz="2900" dirty="0" err="1"/>
               <a:t>בוט</a:t>
             </a:r>
             <a:r>
-              <a:rPr lang="he-IL" sz="2600" dirty="0"/>
-              <a:t>, מונגש </a:t>
+              <a:rPr lang="he-IL" sz="2900" dirty="0"/>
+              <a:t>, שמקבל בשפה טבעית, שאלות או בקשות בנושא מזג אויר, מפענח את הקלט, ונותן מענה מותאם למשתמש</a:t>
             </a:r>
+            <a:endParaRPr lang="en-US" sz="2900" dirty="0"/>
+          </a:p>
+          <a:p>
+            <a:pPr marL="0" indent="0" algn="r" rtl="1">
+              <a:buNone/>
+            </a:pPr>
+            <a:endParaRPr lang="he-IL" sz="2100" dirty="0"/>
+          </a:p>
+          <a:p>
+            <a:pPr marL="0" indent="0" algn="r" rtl="1">
+              <a:buNone/>
+            </a:pPr>
             <a:r>
-              <a:rPr lang="en-US" sz="2600" dirty="0"/>
-              <a:t>web</a:t>
-            </a:r>
-            <a:r>
-              <a:rPr lang="he-IL" sz="2600" dirty="0"/>
-              <a:t>-</a:t>
-            </a:r>
-            <a:r>
-              <a:rPr lang="he-IL" sz="2600" dirty="0" err="1"/>
-              <a:t>ית</a:t>
-            </a:r>
-            <a:r>
-              <a:rPr lang="he-IL" sz="2600" dirty="0"/>
-              <a:t>, שמקבל בשפה טבעית, שאלות או בקשות בנושא מזג אויר, מפענח את הקלט, ונותן מענה מותאם למשתמש</a:t>
+              <a:rPr lang="he-IL" sz="2100" dirty="0"/>
+              <a:t>הצגנו רשימת שאלות שחשבנו לתמוך בהן, מחולקות ל- שאלות פשוטות, שאלות בינוניות מבחינת המורכבות, ושאלות מחוץ לתחום</a:t>
             </a:r>
           </a:p>
           <a:p>
@@ -11576,7 +15498,7 @@
             </a:pPr>
             <a:r>
               <a:rPr lang="he-IL" dirty="0"/>
-              <a:t>וכך היה, עד שהוצג לטדי, ואושר!</a:t>
+              <a:t>וכך היה, עד שהוצג לטדי, ואושר! </a:t>
             </a:r>
           </a:p>
           <a:p>
@@ -11764,29 +15686,29 @@
           <a:p>
             <a:pPr lvl="1" algn="r" rtl="1"/>
             <a:r>
-              <a:rPr lang="he-IL" dirty="0"/>
+              <a:rPr lang="he-IL" sz="1800" dirty="0"/>
               <a:t>תמיכה בזמנים</a:t>
             </a:r>
           </a:p>
           <a:p>
             <a:pPr lvl="1" algn="r" rtl="1"/>
             <a:r>
-              <a:rPr lang="he-IL" dirty="0"/>
+              <a:rPr lang="he-IL" sz="1800" dirty="0"/>
               <a:t>אוצר מילים בנושא מזג אויר</a:t>
             </a:r>
           </a:p>
           <a:p>
             <a:pPr lvl="1" algn="r" rtl="1"/>
             <a:r>
-              <a:rPr lang="he-IL" dirty="0"/>
-              <a:t>תמיכה שערים \ ארצות וכרכים שאינם בהכרח נתמכים ברכיב מזג </a:t>
+              <a:rPr lang="he-IL" sz="1800" dirty="0"/>
+              <a:t>תמיכה בערים \ ארצות וכרכים שאינם בהכרח נתמכים ברכיב מזג </a:t>
             </a:r>
             <a:r>
-              <a:rPr lang="he-IL" dirty="0" err="1"/>
+              <a:rPr lang="he-IL" sz="1800" dirty="0" err="1"/>
               <a:t>האויר</a:t>
             </a:r>
             <a:r>
-              <a:rPr lang="he-IL" dirty="0"/>
+              <a:rPr lang="he-IL" sz="1800" dirty="0"/>
               <a:t> שלנו (API)</a:t>
             </a:r>
           </a:p>
@@ -11983,21 +15905,38 @@
             <a:pPr lvl="1" algn="r" rtl="1"/>
             <a:r>
               <a:rPr lang="he-IL" dirty="0"/>
-              <a:t> עטיפה של FLASK</a:t>
+              <a:t>במהלך העבודה גילינו שהאתר המארח, מוריד את האפליקציה מדי יום, וכניסה ראשונה לאחר מכן אורכת דקות ארוכות</a:t>
             </a:r>
           </a:p>
           <a:p>
             <a:pPr lvl="1" algn="r" rtl="1"/>
             <a:r>
               <a:rPr lang="he-IL" dirty="0"/>
-              <a:t>אתר מארח</a:t>
+              <a:t>בחינת</a:t>
             </a:r>
-          </a:p>
-          <a:p>
-            <a:pPr lvl="1" algn="r" rtl="1"/>
+            <a:r>
+              <a:rPr lang="en-US" dirty="0"/>
+              <a:t> </a:t>
+            </a:r>
             <a:r>
               <a:rPr lang="he-IL" dirty="0"/>
-              <a:t>במהלך העבודה גילינו שהאתר המארח, מוריד את האפליקציה מדי יום, וכניסה ראשונה לאחר מכן אורכת דקות ארוכות</a:t>
+              <a:t>אופי העבודה לזיהוי תוכן, באמצעים כמו </a:t>
+            </a:r>
+            <a:r>
+              <a:rPr lang="en-US" dirty="0" err="1"/>
+              <a:t>Spacy.similarity</a:t>
+            </a:r>
+            <a:r>
+              <a:rPr lang="en-US" dirty="0"/>
+              <a:t>, </a:t>
+            </a:r>
+            <a:r>
+              <a:rPr lang="en-US" dirty="0" err="1"/>
+              <a:t>Levenstein</a:t>
+            </a:r>
+            <a:r>
+              <a:rPr lang="he-IL" dirty="0"/>
+              <a:t> </a:t>
             </a:r>
           </a:p>
           <a:p>
@@ -12151,6 +16090,13 @@
             <a:r>
               <a:rPr lang="he-IL" dirty="0"/>
               <a:t>רשימת מילים בנושא מזג אויר</a:t>
+            </a:r>
+          </a:p>
+          <a:p>
+            <a:pPr lvl="1" algn="r" rtl="1"/>
+            <a:r>
+              <a:rPr lang="he-IL" dirty="0"/>
+              <a:t>מילון לתמיכה ב - זמן</a:t>
             </a:r>
           </a:p>
           <a:p>
